--- a/docs/sprint3/Sprint 3 Presentation.pptx
+++ b/docs/sprint3/Sprint 3 Presentation.pptx
@@ -5,7 +5,7 @@
     <p:sldMasterId id="2147483648" r:id="rId4"/>
   </p:sldMasterIdLst>
   <p:notesMasterIdLst>
-    <p:notesMasterId r:id="rId18"/>
+    <p:notesMasterId r:id="rId16"/>
   </p:notesMasterIdLst>
   <p:sldIdLst>
     <p:sldId id="530" r:id="rId5"/>
@@ -13,14 +13,12 @@
     <p:sldId id="533" r:id="rId7"/>
     <p:sldId id="548" r:id="rId8"/>
     <p:sldId id="534" r:id="rId9"/>
-    <p:sldId id="539" r:id="rId10"/>
-    <p:sldId id="543" r:id="rId11"/>
-    <p:sldId id="538" r:id="rId12"/>
-    <p:sldId id="553" r:id="rId13"/>
-    <p:sldId id="554" r:id="rId14"/>
-    <p:sldId id="550" r:id="rId15"/>
-    <p:sldId id="551" r:id="rId16"/>
-    <p:sldId id="544" r:id="rId17"/>
+    <p:sldId id="554" r:id="rId10"/>
+    <p:sldId id="539" r:id="rId11"/>
+    <p:sldId id="543" r:id="rId12"/>
+    <p:sldId id="550" r:id="rId13"/>
+    <p:sldId id="551" r:id="rId14"/>
+    <p:sldId id="544" r:id="rId15"/>
   </p:sldIdLst>
   <p:sldSz cx="12192000" cy="6858000"/>
   <p:notesSz cx="6858000" cy="9144000"/>
@@ -137,6 +135,173 @@
 <p:cmAuthorLst xmlns:a="http://schemas.openxmlformats.org/drawingml/2006/main" xmlns:r="http://schemas.openxmlformats.org/officeDocument/2006/relationships" xmlns:p="http://schemas.openxmlformats.org/presentationml/2006/main">
   <p:cmAuthor id="3" name="Author" initials="A" lastIdx="0" clrIdx="2"/>
 </p:cmAuthorLst>
+</file>
+
+<file path=ppt/changesInfos/changesInfo1.xml><?xml version="1.0" encoding="utf-8"?>
+<pc:chgInfo xmlns:a="http://schemas.openxmlformats.org/drawingml/2006/main" xmlns:r="http://schemas.openxmlformats.org/officeDocument/2006/relationships" xmlns:ac="http://schemas.microsoft.com/office/drawing/2013/main/command" xmlns:pc="http://schemas.microsoft.com/office/powerpoint/2013/main/command">
+  <pc:docChgLst>
+    <pc:chgData name="Ethan Schillinger" userId="d2ea15ca-7de5-432f-b9b9-a081b145f01f" providerId="ADAL" clId="{D6E7ECF7-AB10-4324-B442-5E70A15D79C2}"/>
+    <pc:docChg chg="undo custSel addSld delSld modSld sldOrd">
+      <pc:chgData name="Ethan Schillinger" userId="d2ea15ca-7de5-432f-b9b9-a081b145f01f" providerId="ADAL" clId="{D6E7ECF7-AB10-4324-B442-5E70A15D79C2}" dt="2023-04-25T21:58:50.412" v="1024" actId="20577"/>
+      <pc:docMkLst>
+        <pc:docMk/>
+      </pc:docMkLst>
+      <pc:sldChg chg="del">
+        <pc:chgData name="Ethan Schillinger" userId="d2ea15ca-7de5-432f-b9b9-a081b145f01f" providerId="ADAL" clId="{D6E7ECF7-AB10-4324-B442-5E70A15D79C2}" dt="2023-04-25T21:48:37.735" v="567" actId="47"/>
+        <pc:sldMkLst>
+          <pc:docMk/>
+          <pc:sldMk cId="765210901" sldId="538"/>
+        </pc:sldMkLst>
+      </pc:sldChg>
+      <pc:sldChg chg="modSp add del mod ord">
+        <pc:chgData name="Ethan Schillinger" userId="d2ea15ca-7de5-432f-b9b9-a081b145f01f" providerId="ADAL" clId="{D6E7ECF7-AB10-4324-B442-5E70A15D79C2}" dt="2023-04-25T21:51:39.952" v="771" actId="20577"/>
+        <pc:sldMkLst>
+          <pc:docMk/>
+          <pc:sldMk cId="1877080978" sldId="539"/>
+        </pc:sldMkLst>
+        <pc:spChg chg="mod">
+          <ac:chgData name="Ethan Schillinger" userId="d2ea15ca-7de5-432f-b9b9-a081b145f01f" providerId="ADAL" clId="{D6E7ECF7-AB10-4324-B442-5E70A15D79C2}" dt="2023-04-25T21:51:39.952" v="771" actId="20577"/>
+          <ac:spMkLst>
+            <pc:docMk/>
+            <pc:sldMk cId="1877080978" sldId="539"/>
+            <ac:spMk id="23" creationId="{FBDF2723-B9A5-40B8-2A94-9E21B8B44A7A}"/>
+          </ac:spMkLst>
+        </pc:spChg>
+      </pc:sldChg>
+      <pc:sldChg chg="modSp mod">
+        <pc:chgData name="Ethan Schillinger" userId="d2ea15ca-7de5-432f-b9b9-a081b145f01f" providerId="ADAL" clId="{D6E7ECF7-AB10-4324-B442-5E70A15D79C2}" dt="2023-04-25T21:58:50.412" v="1024" actId="20577"/>
+        <pc:sldMkLst>
+          <pc:docMk/>
+          <pc:sldMk cId="1877701230" sldId="544"/>
+        </pc:sldMkLst>
+        <pc:spChg chg="mod">
+          <ac:chgData name="Ethan Schillinger" userId="d2ea15ca-7de5-432f-b9b9-a081b145f01f" providerId="ADAL" clId="{D6E7ECF7-AB10-4324-B442-5E70A15D79C2}" dt="2023-04-25T21:58:43.172" v="1010" actId="1076"/>
+          <ac:spMkLst>
+            <pc:docMk/>
+            <pc:sldMk cId="1877701230" sldId="544"/>
+            <ac:spMk id="2" creationId="{2C9E1892-81E6-551C-7B5A-DEA68224520B}"/>
+          </ac:spMkLst>
+        </pc:spChg>
+        <pc:spChg chg="mod">
+          <ac:chgData name="Ethan Schillinger" userId="d2ea15ca-7de5-432f-b9b9-a081b145f01f" providerId="ADAL" clId="{D6E7ECF7-AB10-4324-B442-5E70A15D79C2}" dt="2023-04-25T21:58:50.412" v="1024" actId="20577"/>
+          <ac:spMkLst>
+            <pc:docMk/>
+            <pc:sldMk cId="1877701230" sldId="544"/>
+            <ac:spMk id="3" creationId="{55519D01-29BE-BE76-41C5-9D58AD8119DC}"/>
+          </ac:spMkLst>
+        </pc:spChg>
+      </pc:sldChg>
+      <pc:sldChg chg="modSp mod">
+        <pc:chgData name="Ethan Schillinger" userId="d2ea15ca-7de5-432f-b9b9-a081b145f01f" providerId="ADAL" clId="{D6E7ECF7-AB10-4324-B442-5E70A15D79C2}" dt="2023-04-25T21:52:14.149" v="842" actId="20577"/>
+        <pc:sldMkLst>
+          <pc:docMk/>
+          <pc:sldMk cId="3306326381" sldId="550"/>
+        </pc:sldMkLst>
+        <pc:spChg chg="mod">
+          <ac:chgData name="Ethan Schillinger" userId="d2ea15ca-7de5-432f-b9b9-a081b145f01f" providerId="ADAL" clId="{D6E7ECF7-AB10-4324-B442-5E70A15D79C2}" dt="2023-04-25T21:52:14.149" v="842" actId="20577"/>
+          <ac:spMkLst>
+            <pc:docMk/>
+            <pc:sldMk cId="3306326381" sldId="550"/>
+            <ac:spMk id="3" creationId="{B0249A60-C73B-D0FB-E131-FFA51B227F0A}"/>
+          </ac:spMkLst>
+        </pc:spChg>
+      </pc:sldChg>
+      <pc:sldChg chg="modSp mod">
+        <pc:chgData name="Ethan Schillinger" userId="d2ea15ca-7de5-432f-b9b9-a081b145f01f" providerId="ADAL" clId="{D6E7ECF7-AB10-4324-B442-5E70A15D79C2}" dt="2023-04-25T21:57:20.159" v="992" actId="20577"/>
+        <pc:sldMkLst>
+          <pc:docMk/>
+          <pc:sldMk cId="3844284687" sldId="551"/>
+        </pc:sldMkLst>
+        <pc:spChg chg="mod">
+          <ac:chgData name="Ethan Schillinger" userId="d2ea15ca-7de5-432f-b9b9-a081b145f01f" providerId="ADAL" clId="{D6E7ECF7-AB10-4324-B442-5E70A15D79C2}" dt="2023-04-25T21:52:25.958" v="860" actId="20577"/>
+          <ac:spMkLst>
+            <pc:docMk/>
+            <pc:sldMk cId="3844284687" sldId="551"/>
+            <ac:spMk id="4" creationId="{0FA09557-AB2B-6056-7ED8-192D17EBC4C6}"/>
+          </ac:spMkLst>
+        </pc:spChg>
+        <pc:spChg chg="mod">
+          <ac:chgData name="Ethan Schillinger" userId="d2ea15ca-7de5-432f-b9b9-a081b145f01f" providerId="ADAL" clId="{D6E7ECF7-AB10-4324-B442-5E70A15D79C2}" dt="2023-04-25T21:57:20.159" v="992" actId="20577"/>
+          <ac:spMkLst>
+            <pc:docMk/>
+            <pc:sldMk cId="3844284687" sldId="551"/>
+            <ac:spMk id="5" creationId="{4DE3FFFB-1E58-CFB7-F2D2-B0F27B9A2EBA}"/>
+          </ac:spMkLst>
+        </pc:spChg>
+      </pc:sldChg>
+      <pc:sldChg chg="add del">
+        <pc:chgData name="Ethan Schillinger" userId="d2ea15ca-7de5-432f-b9b9-a081b145f01f" providerId="ADAL" clId="{D6E7ECF7-AB10-4324-B442-5E70A15D79C2}" dt="2023-04-25T21:39:12.311" v="2" actId="47"/>
+        <pc:sldMkLst>
+          <pc:docMk/>
+          <pc:sldMk cId="1212507113" sldId="553"/>
+        </pc:sldMkLst>
+      </pc:sldChg>
+      <pc:sldChg chg="modSp add del mod ord">
+        <pc:chgData name="Ethan Schillinger" userId="d2ea15ca-7de5-432f-b9b9-a081b145f01f" providerId="ADAL" clId="{D6E7ECF7-AB10-4324-B442-5E70A15D79C2}" dt="2023-04-25T21:45:30.652" v="415" actId="20577"/>
+        <pc:sldMkLst>
+          <pc:docMk/>
+          <pc:sldMk cId="4153320981" sldId="554"/>
+        </pc:sldMkLst>
+        <pc:spChg chg="mod">
+          <ac:chgData name="Ethan Schillinger" userId="d2ea15ca-7de5-432f-b9b9-a081b145f01f" providerId="ADAL" clId="{D6E7ECF7-AB10-4324-B442-5E70A15D79C2}" dt="2023-04-25T21:39:43.067" v="20" actId="20577"/>
+          <ac:spMkLst>
+            <pc:docMk/>
+            <pc:sldMk cId="4153320981" sldId="554"/>
+            <ac:spMk id="2" creationId="{D249E45E-D6A7-9780-F652-BAF86DFBCC00}"/>
+          </ac:spMkLst>
+        </pc:spChg>
+        <pc:spChg chg="mod">
+          <ac:chgData name="Ethan Schillinger" userId="d2ea15ca-7de5-432f-b9b9-a081b145f01f" providerId="ADAL" clId="{D6E7ECF7-AB10-4324-B442-5E70A15D79C2}" dt="2023-04-25T21:40:51.485" v="73" actId="20577"/>
+          <ac:spMkLst>
+            <pc:docMk/>
+            <pc:sldMk cId="4153320981" sldId="554"/>
+            <ac:spMk id="3" creationId="{C31605EE-24B6-95D8-DE5E-BEC2F03ECECA}"/>
+          </ac:spMkLst>
+        </pc:spChg>
+        <pc:spChg chg="mod">
+          <ac:chgData name="Ethan Schillinger" userId="d2ea15ca-7de5-432f-b9b9-a081b145f01f" providerId="ADAL" clId="{D6E7ECF7-AB10-4324-B442-5E70A15D79C2}" dt="2023-04-25T21:45:30.652" v="415" actId="20577"/>
+          <ac:spMkLst>
+            <pc:docMk/>
+            <pc:sldMk cId="4153320981" sldId="554"/>
+            <ac:spMk id="4" creationId="{BE22F651-7ABC-015D-B5C4-622708A64CB1}"/>
+          </ac:spMkLst>
+        </pc:spChg>
+        <pc:spChg chg="mod">
+          <ac:chgData name="Ethan Schillinger" userId="d2ea15ca-7de5-432f-b9b9-a081b145f01f" providerId="ADAL" clId="{D6E7ECF7-AB10-4324-B442-5E70A15D79C2}" dt="2023-04-25T21:40:59.963" v="90" actId="20577"/>
+          <ac:spMkLst>
+            <pc:docMk/>
+            <pc:sldMk cId="4153320981" sldId="554"/>
+            <ac:spMk id="5" creationId="{9B14AD8E-DB85-1118-8E86-55515544A41D}"/>
+          </ac:spMkLst>
+        </pc:spChg>
+        <pc:spChg chg="mod">
+          <ac:chgData name="Ethan Schillinger" userId="d2ea15ca-7de5-432f-b9b9-a081b145f01f" providerId="ADAL" clId="{D6E7ECF7-AB10-4324-B442-5E70A15D79C2}" dt="2023-04-25T21:44:05.965" v="390" actId="1076"/>
+          <ac:spMkLst>
+            <pc:docMk/>
+            <pc:sldMk cId="4153320981" sldId="554"/>
+            <ac:spMk id="6" creationId="{3DF22CC9-1295-2B21-05A9-68A44E669B8F}"/>
+          </ac:spMkLst>
+        </pc:spChg>
+        <pc:spChg chg="mod">
+          <ac:chgData name="Ethan Schillinger" userId="d2ea15ca-7de5-432f-b9b9-a081b145f01f" providerId="ADAL" clId="{D6E7ECF7-AB10-4324-B442-5E70A15D79C2}" dt="2023-04-25T21:44:08.924" v="391" actId="1076"/>
+          <ac:spMkLst>
+            <pc:docMk/>
+            <pc:sldMk cId="4153320981" sldId="554"/>
+            <ac:spMk id="7" creationId="{1CF93A45-352C-BDA0-08F3-2ADC22BAA72E}"/>
+          </ac:spMkLst>
+        </pc:spChg>
+        <pc:spChg chg="mod">
+          <ac:chgData name="Ethan Schillinger" userId="d2ea15ca-7de5-432f-b9b9-a081b145f01f" providerId="ADAL" clId="{D6E7ECF7-AB10-4324-B442-5E70A15D79C2}" dt="2023-04-25T21:40:54.585" v="77" actId="20577"/>
+          <ac:spMkLst>
+            <pc:docMk/>
+            <pc:sldMk cId="4153320981" sldId="554"/>
+            <ac:spMk id="10" creationId="{163664D5-8AB6-626C-AC0E-A8BE1C821471}"/>
+          </ac:spMkLst>
+        </pc:spChg>
+      </pc:sldChg>
+    </pc:docChg>
+  </pc:docChgLst>
+</pc:chgInfo>
 </file>
 
 <file path=ppt/notesMasters/notesMaster1.xml><?xml version="1.0" encoding="utf-8"?>
@@ -17203,10 +17368,40 @@
       </p:grpSpPr>
       <p:sp>
         <p:nvSpPr>
-          <p:cNvPr id="2" name="Title 1">
-            <a:extLst>
-              <a:ext uri="{FF2B5EF4-FFF2-40B4-BE49-F238E27FC236}">
-                <a16:creationId xmlns:a16="http://schemas.microsoft.com/office/drawing/2014/main" id="{D249E45E-D6A7-9780-F652-BAF86DFBCC00}"/>
+          <p:cNvPr id="2" name="Slide Number Placeholder 1">
+            <a:extLst>
+              <a:ext uri="{FF2B5EF4-FFF2-40B4-BE49-F238E27FC236}">
+                <a16:creationId xmlns:a16="http://schemas.microsoft.com/office/drawing/2014/main" id="{42D5AD80-8B4E-007B-927D-C10C914A306C}"/>
+              </a:ext>
+            </a:extLst>
+          </p:cNvPr>
+          <p:cNvSpPr>
+            <a:spLocks noGrp="1"/>
+          </p:cNvSpPr>
+          <p:nvPr>
+            <p:ph type="sldNum" sz="quarter" idx="11"/>
+          </p:nvPr>
+        </p:nvSpPr>
+        <p:spPr/>
+        <p:txBody>
+          <a:bodyPr/>
+          <a:lstStyle/>
+          <a:p>
+            <a:fld id="{294A09A9-5501-47C1-A89A-A340965A2BE2}" type="slidenum">
+              <a:rPr lang="en-US" smtClean="0"/>
+              <a:pPr/>
+              <a:t>10</a:t>
+            </a:fld>
+            <a:endParaRPr lang="en-US" dirty="0"/>
+          </a:p>
+        </p:txBody>
+      </p:sp>
+      <p:sp>
+        <p:nvSpPr>
+          <p:cNvPr id="4" name="Title 3">
+            <a:extLst>
+              <a:ext uri="{FF2B5EF4-FFF2-40B4-BE49-F238E27FC236}">
+                <a16:creationId xmlns:a16="http://schemas.microsoft.com/office/drawing/2014/main" id="{0FA09557-AB2B-6056-7ED8-192D17EBC4C6}"/>
               </a:ext>
             </a:extLst>
           </p:cNvPr>
@@ -17224,7 +17419,764 @@
           <a:p>
             <a:r>
               <a:rPr lang="en-US" dirty="0"/>
-              <a:t>Conversations</a:t>
+              <a:t>Moving Forward</a:t>
+            </a:r>
+          </a:p>
+        </p:txBody>
+      </p:sp>
+      <p:sp>
+        <p:nvSpPr>
+          <p:cNvPr id="5" name="Content Placeholder 4">
+            <a:extLst>
+              <a:ext uri="{FF2B5EF4-FFF2-40B4-BE49-F238E27FC236}">
+                <a16:creationId xmlns:a16="http://schemas.microsoft.com/office/drawing/2014/main" id="{4DE3FFFB-1E58-CFB7-F2D2-B0F27B9A2EBA}"/>
+              </a:ext>
+            </a:extLst>
+          </p:cNvPr>
+          <p:cNvSpPr>
+            <a:spLocks noGrp="1"/>
+          </p:cNvSpPr>
+          <p:nvPr>
+            <p:ph idx="1"/>
+          </p:nvPr>
+        </p:nvSpPr>
+        <p:spPr>
+          <a:xfrm>
+            <a:off x="1536191" y="2212848"/>
+            <a:ext cx="8770783" cy="3282696"/>
+          </a:xfrm>
+        </p:spPr>
+        <p:txBody>
+          <a:bodyPr/>
+          <a:lstStyle/>
+          <a:p>
+            <a:r>
+              <a:rPr lang="en-US" dirty="0"/>
+              <a:t>Implementation of remaining client features</a:t>
+            </a:r>
+          </a:p>
+          <a:p>
+            <a:r>
+              <a:rPr lang="en-US" dirty="0"/>
+              <a:t>Meet one more time with our client</a:t>
+            </a:r>
+          </a:p>
+          <a:p>
+            <a:r>
+              <a:rPr lang="en-US" dirty="0"/>
+              <a:t>Potential use for UA and other universities</a:t>
+            </a:r>
+          </a:p>
+        </p:txBody>
+      </p:sp>
+    </p:spTree>
+    <p:extLst>
+      <p:ext uri="{BB962C8B-B14F-4D97-AF65-F5344CB8AC3E}">
+        <p14:creationId xmlns:p14="http://schemas.microsoft.com/office/powerpoint/2010/main" val="3844284687"/>
+      </p:ext>
+    </p:extLst>
+  </p:cSld>
+  <p:clrMapOvr>
+    <a:masterClrMapping/>
+  </p:clrMapOvr>
+</p:sld>
+</file>
+
+<file path=ppt/slides/slide11.xml><?xml version="1.0" encoding="utf-8"?>
+<p:sld xmlns:a="http://schemas.openxmlformats.org/drawingml/2006/main" xmlns:r="http://schemas.openxmlformats.org/officeDocument/2006/relationships" xmlns:p="http://schemas.openxmlformats.org/presentationml/2006/main">
+  <p:cSld>
+    <p:spTree>
+      <p:nvGrpSpPr>
+        <p:cNvPr id="1" name=""/>
+        <p:cNvGrpSpPr/>
+        <p:nvPr/>
+      </p:nvGrpSpPr>
+      <p:grpSpPr>
+        <a:xfrm>
+          <a:off x="0" y="0"/>
+          <a:ext cx="0" cy="0"/>
+          <a:chOff x="0" y="0"/>
+          <a:chExt cx="0" cy="0"/>
+        </a:xfrm>
+      </p:grpSpPr>
+      <p:sp>
+        <p:nvSpPr>
+          <p:cNvPr id="2" name="Title 1">
+            <a:extLst>
+              <a:ext uri="{FF2B5EF4-FFF2-40B4-BE49-F238E27FC236}">
+                <a16:creationId xmlns:a16="http://schemas.microsoft.com/office/drawing/2014/main" id="{2C9E1892-81E6-551C-7B5A-DEA68224520B}"/>
+              </a:ext>
+            </a:extLst>
+          </p:cNvPr>
+          <p:cNvSpPr>
+            <a:spLocks noGrp="1"/>
+          </p:cNvSpPr>
+          <p:nvPr>
+            <p:ph type="title"/>
+          </p:nvPr>
+        </p:nvSpPr>
+        <p:spPr>
+          <a:xfrm>
+            <a:off x="5936202" y="1891742"/>
+            <a:ext cx="5788241" cy="1069848"/>
+          </a:xfrm>
+        </p:spPr>
+        <p:txBody>
+          <a:bodyPr/>
+          <a:lstStyle/>
+          <a:p>
+            <a:r>
+              <a:rPr lang="ru-RU" dirty="0"/>
+              <a:t>Благодарю вас</a:t>
+            </a:r>
+            <a:endParaRPr lang="en-US" dirty="0"/>
+          </a:p>
+        </p:txBody>
+      </p:sp>
+      <p:sp>
+        <p:nvSpPr>
+          <p:cNvPr id="3" name="Text Placeholder 2">
+            <a:extLst>
+              <a:ext uri="{FF2B5EF4-FFF2-40B4-BE49-F238E27FC236}">
+                <a16:creationId xmlns:a16="http://schemas.microsoft.com/office/drawing/2014/main" id="{55519D01-29BE-BE76-41C5-9D58AD8119DC}"/>
+              </a:ext>
+            </a:extLst>
+          </p:cNvPr>
+          <p:cNvSpPr>
+            <a:spLocks noGrp="1"/>
+          </p:cNvSpPr>
+          <p:nvPr>
+            <p:ph type="body" idx="1"/>
+          </p:nvPr>
+        </p:nvSpPr>
+        <p:spPr/>
+        <p:txBody>
+          <a:bodyPr/>
+          <a:lstStyle/>
+          <a:p>
+            <a:pPr algn="l"/>
+            <a:r>
+              <a:rPr lang="ru-RU" dirty="0">
+                <a:latin typeface="Segoe UI Light" panose="020B0502040204020203" pitchFamily="34" charset="0"/>
+                <a:cs typeface="Segoe UI Light" panose="020B0502040204020203" pitchFamily="34" charset="0"/>
+              </a:rPr>
+              <a:t>Итан </a:t>
+            </a:r>
+            <a:r>
+              <a:rPr lang="ru-RU" dirty="0" err="1">
+                <a:latin typeface="Segoe UI Light" panose="020B0502040204020203" pitchFamily="34" charset="0"/>
+                <a:cs typeface="Segoe UI Light" panose="020B0502040204020203" pitchFamily="34" charset="0"/>
+              </a:rPr>
+              <a:t>Шиллингер</a:t>
+            </a:r>
+            <a:endParaRPr lang="en-US" dirty="0">
+              <a:latin typeface="Segoe UI Light" panose="020B0502040204020203" pitchFamily="34" charset="0"/>
+              <a:cs typeface="Segoe UI Light" panose="020B0502040204020203" pitchFamily="34" charset="0"/>
+            </a:endParaRPr>
+          </a:p>
+          <a:p>
+            <a:pPr algn="l"/>
+            <a:r>
+              <a:rPr lang="en-US" dirty="0">
+                <a:latin typeface="Segoe UI Light" panose="020B0502040204020203" pitchFamily="34" charset="0"/>
+                <a:cs typeface="Segoe UI Light" panose="020B0502040204020203" pitchFamily="34" charset="0"/>
+              </a:rPr>
+              <a:t>Jacob Schenck</a:t>
+            </a:r>
+          </a:p>
+          <a:p>
+            <a:pPr algn="l"/>
+            <a:r>
+              <a:rPr lang="en-US" dirty="0">
+                <a:latin typeface="Segoe UI Light" panose="020B0502040204020203" pitchFamily="34" charset="0"/>
+                <a:cs typeface="Segoe UI Light" panose="020B0502040204020203" pitchFamily="34" charset="0"/>
+              </a:rPr>
+              <a:t>Joe Vossel</a:t>
+            </a:r>
+          </a:p>
+        </p:txBody>
+      </p:sp>
+    </p:spTree>
+    <p:extLst>
+      <p:ext uri="{BB962C8B-B14F-4D97-AF65-F5344CB8AC3E}">
+        <p14:creationId xmlns:p14="http://schemas.microsoft.com/office/powerpoint/2010/main" val="1877701230"/>
+      </p:ext>
+    </p:extLst>
+  </p:cSld>
+  <p:clrMapOvr>
+    <a:masterClrMapping/>
+  </p:clrMapOvr>
+</p:sld>
+</file>
+
+<file path=ppt/slides/slide2.xml><?xml version="1.0" encoding="utf-8"?>
+<p:sld xmlns:a="http://schemas.openxmlformats.org/drawingml/2006/main" xmlns:r="http://schemas.openxmlformats.org/officeDocument/2006/relationships" xmlns:p="http://schemas.openxmlformats.org/presentationml/2006/main">
+  <p:cSld>
+    <p:spTree>
+      <p:nvGrpSpPr>
+        <p:cNvPr id="1" name=""/>
+        <p:cNvGrpSpPr/>
+        <p:nvPr/>
+      </p:nvGrpSpPr>
+      <p:grpSpPr>
+        <a:xfrm>
+          <a:off x="0" y="0"/>
+          <a:ext cx="0" cy="0"/>
+          <a:chOff x="0" y="0"/>
+          <a:chExt cx="0" cy="0"/>
+        </a:xfrm>
+      </p:grpSpPr>
+      <p:sp>
+        <p:nvSpPr>
+          <p:cNvPr id="2" name="Title 1">
+            <a:extLst>
+              <a:ext uri="{FF2B5EF4-FFF2-40B4-BE49-F238E27FC236}">
+                <a16:creationId xmlns:a16="http://schemas.microsoft.com/office/drawing/2014/main" id="{C07F7E09-6A9E-9FCC-7867-895F21ABE716}"/>
+              </a:ext>
+            </a:extLst>
+          </p:cNvPr>
+          <p:cNvSpPr>
+            <a:spLocks noGrp="1"/>
+          </p:cNvSpPr>
+          <p:nvPr>
+            <p:ph type="title"/>
+          </p:nvPr>
+        </p:nvSpPr>
+        <p:spPr/>
+        <p:txBody>
+          <a:bodyPr>
+            <a:normAutofit/>
+          </a:bodyPr>
+          <a:lstStyle/>
+          <a:p>
+            <a:r>
+              <a:rPr lang="en-US" sz="4000" b="1" spc="600" dirty="0">
+                <a:ln w="28575">
+                  <a:noFill/>
+                  <a:prstDash val="solid"/>
+                </a:ln>
+                <a:solidFill>
+                  <a:schemeClr val="bg1"/>
+                </a:solidFill>
+                <a:latin typeface="Tw Cen MT" panose="020B0602020104020603" pitchFamily="34" charset="77"/>
+              </a:rPr>
+              <a:t>CONTENTS</a:t>
+            </a:r>
+            <a:endParaRPr lang="en-US" dirty="0"/>
+          </a:p>
+        </p:txBody>
+      </p:sp>
+      <p:sp>
+        <p:nvSpPr>
+          <p:cNvPr id="5" name="Slide Number Placeholder 4">
+            <a:extLst>
+              <a:ext uri="{FF2B5EF4-FFF2-40B4-BE49-F238E27FC236}">
+                <a16:creationId xmlns:a16="http://schemas.microsoft.com/office/drawing/2014/main" id="{9157728F-9EA1-A705-8E4D-B7823E4F4C26}"/>
+              </a:ext>
+            </a:extLst>
+          </p:cNvPr>
+          <p:cNvSpPr>
+            <a:spLocks noGrp="1"/>
+          </p:cNvSpPr>
+          <p:nvPr>
+            <p:ph type="sldNum" sz="quarter" idx="11"/>
+          </p:nvPr>
+        </p:nvSpPr>
+        <p:spPr/>
+        <p:txBody>
+          <a:bodyPr/>
+          <a:lstStyle/>
+          <a:p>
+            <a:fld id="{294A09A9-5501-47C1-A89A-A340965A2BE2}" type="slidenum">
+              <a:rPr lang="en-US" smtClean="0"/>
+              <a:pPr/>
+              <a:t>2</a:t>
+            </a:fld>
+            <a:endParaRPr lang="en-US" dirty="0"/>
+          </a:p>
+        </p:txBody>
+      </p:sp>
+      <p:sp>
+        <p:nvSpPr>
+          <p:cNvPr id="3" name="Content Placeholder 2">
+            <a:extLst>
+              <a:ext uri="{FF2B5EF4-FFF2-40B4-BE49-F238E27FC236}">
+                <a16:creationId xmlns:a16="http://schemas.microsoft.com/office/drawing/2014/main" id="{199158D4-7B61-0A48-E33F-792278D05724}"/>
+              </a:ext>
+            </a:extLst>
+          </p:cNvPr>
+          <p:cNvSpPr>
+            <a:spLocks noGrp="1"/>
+          </p:cNvSpPr>
+          <p:nvPr>
+            <p:ph idx="1"/>
+          </p:nvPr>
+        </p:nvSpPr>
+        <p:spPr/>
+        <p:txBody>
+          <a:bodyPr/>
+          <a:lstStyle/>
+          <a:p>
+            <a:pPr marL="342900" indent="-342900" algn="l">
+              <a:lnSpc>
+                <a:spcPct val="150000"/>
+              </a:lnSpc>
+              <a:buClr>
+                <a:schemeClr val="accent6"/>
+              </a:buClr>
+              <a:buFont typeface="Courier New" panose="02070309020205020404" pitchFamily="49" charset="0"/>
+              <a:buChar char="o"/>
+            </a:pPr>
+            <a:r>
+              <a:rPr lang="en-US" dirty="0">
+                <a:solidFill>
+                  <a:schemeClr val="bg1"/>
+                </a:solidFill>
+                <a:latin typeface="Segoe UI Light" panose="020B0502040204020203" pitchFamily="34" charset="0"/>
+                <a:cs typeface="Segoe UI Light" panose="020B0502040204020203" pitchFamily="34" charset="0"/>
+              </a:rPr>
+              <a:t>Project Overview</a:t>
+            </a:r>
+          </a:p>
+          <a:p>
+            <a:pPr marL="342900" indent="-342900" algn="l">
+              <a:lnSpc>
+                <a:spcPct val="150000"/>
+              </a:lnSpc>
+              <a:buClr>
+                <a:schemeClr val="accent6"/>
+              </a:buClr>
+              <a:buFont typeface="Courier New" panose="02070309020205020404" pitchFamily="49" charset="0"/>
+              <a:buChar char="o"/>
+            </a:pPr>
+            <a:r>
+              <a:rPr lang="en-US" dirty="0">
+                <a:solidFill>
+                  <a:schemeClr val="bg1"/>
+                </a:solidFill>
+                <a:latin typeface="Segoe UI Light" panose="020B0502040204020203" pitchFamily="34" charset="0"/>
+                <a:cs typeface="Segoe UI Light" panose="020B0502040204020203" pitchFamily="34" charset="0"/>
+              </a:rPr>
+              <a:t>Sprint Backlog</a:t>
+            </a:r>
+          </a:p>
+          <a:p>
+            <a:pPr marL="342900" indent="-342900" algn="l">
+              <a:lnSpc>
+                <a:spcPct val="150000"/>
+              </a:lnSpc>
+              <a:buClr>
+                <a:schemeClr val="accent6"/>
+              </a:buClr>
+              <a:buFont typeface="Courier New" panose="02070309020205020404" pitchFamily="49" charset="0"/>
+              <a:buChar char="o"/>
+            </a:pPr>
+            <a:r>
+              <a:rPr lang="en-US" dirty="0">
+                <a:solidFill>
+                  <a:schemeClr val="bg1"/>
+                </a:solidFill>
+                <a:latin typeface="Segoe UI Light" panose="020B0502040204020203" pitchFamily="34" charset="0"/>
+                <a:cs typeface="Segoe UI Light" panose="020B0502040204020203" pitchFamily="34" charset="0"/>
+              </a:rPr>
+              <a:t>Website Demo</a:t>
+            </a:r>
+          </a:p>
+          <a:p>
+            <a:pPr marL="342900" indent="-342900" algn="l">
+              <a:lnSpc>
+                <a:spcPct val="150000"/>
+              </a:lnSpc>
+              <a:buClr>
+                <a:schemeClr val="accent6"/>
+              </a:buClr>
+              <a:buFont typeface="Courier New" panose="02070309020205020404" pitchFamily="49" charset="0"/>
+              <a:buChar char="o"/>
+            </a:pPr>
+            <a:r>
+              <a:rPr lang="en-US" dirty="0">
+                <a:solidFill>
+                  <a:schemeClr val="bg1"/>
+                </a:solidFill>
+                <a:latin typeface="Segoe UI Light" panose="020B0502040204020203" pitchFamily="34" charset="0"/>
+                <a:cs typeface="Segoe UI Light" panose="020B0502040204020203" pitchFamily="34" charset="0"/>
+              </a:rPr>
+              <a:t>Moving Forward</a:t>
+            </a:r>
+          </a:p>
+        </p:txBody>
+      </p:sp>
+    </p:spTree>
+    <p:extLst>
+      <p:ext uri="{BB962C8B-B14F-4D97-AF65-F5344CB8AC3E}">
+        <p14:creationId xmlns:p14="http://schemas.microsoft.com/office/powerpoint/2010/main" val="3548027083"/>
+      </p:ext>
+    </p:extLst>
+  </p:cSld>
+  <p:clrMapOvr>
+    <a:masterClrMapping/>
+  </p:clrMapOvr>
+</p:sld>
+</file>
+
+<file path=ppt/slides/slide3.xml><?xml version="1.0" encoding="utf-8"?>
+<p:sld xmlns:a="http://schemas.openxmlformats.org/drawingml/2006/main" xmlns:r="http://schemas.openxmlformats.org/officeDocument/2006/relationships" xmlns:p="http://schemas.openxmlformats.org/presentationml/2006/main">
+  <p:cSld>
+    <p:spTree>
+      <p:nvGrpSpPr>
+        <p:cNvPr id="1" name=""/>
+        <p:cNvGrpSpPr/>
+        <p:nvPr/>
+      </p:nvGrpSpPr>
+      <p:grpSpPr>
+        <a:xfrm>
+          <a:off x="0" y="0"/>
+          <a:ext cx="0" cy="0"/>
+          <a:chOff x="0" y="0"/>
+          <a:chExt cx="0" cy="0"/>
+        </a:xfrm>
+      </p:grpSpPr>
+      <p:sp>
+        <p:nvSpPr>
+          <p:cNvPr id="2" name="Title 1">
+            <a:extLst>
+              <a:ext uri="{FF2B5EF4-FFF2-40B4-BE49-F238E27FC236}">
+                <a16:creationId xmlns:a16="http://schemas.microsoft.com/office/drawing/2014/main" id="{F41F0E99-07CC-9576-AFD7-C52151AD0EA3}"/>
+              </a:ext>
+            </a:extLst>
+          </p:cNvPr>
+          <p:cNvSpPr>
+            <a:spLocks noGrp="1"/>
+          </p:cNvSpPr>
+          <p:nvPr>
+            <p:ph type="ctrTitle"/>
+          </p:nvPr>
+        </p:nvSpPr>
+        <p:spPr/>
+        <p:txBody>
+          <a:bodyPr/>
+          <a:lstStyle/>
+          <a:p>
+            <a:r>
+              <a:rPr lang="en-US" dirty="0"/>
+              <a:t>Project Overview</a:t>
+            </a:r>
+          </a:p>
+        </p:txBody>
+      </p:sp>
+      <p:sp>
+        <p:nvSpPr>
+          <p:cNvPr id="3" name="Subtitle 2">
+            <a:extLst>
+              <a:ext uri="{FF2B5EF4-FFF2-40B4-BE49-F238E27FC236}">
+                <a16:creationId xmlns:a16="http://schemas.microsoft.com/office/drawing/2014/main" id="{5A82A8B0-333F-633E-3FA7-D38DBFB10971}"/>
+              </a:ext>
+            </a:extLst>
+          </p:cNvPr>
+          <p:cNvSpPr>
+            <a:spLocks noGrp="1"/>
+          </p:cNvSpPr>
+          <p:nvPr>
+            <p:ph type="subTitle" idx="1"/>
+          </p:nvPr>
+        </p:nvSpPr>
+        <p:spPr/>
+        <p:txBody>
+          <a:bodyPr/>
+          <a:lstStyle/>
+          <a:p>
+            <a:r>
+              <a:rPr lang="en-US" dirty="0"/>
+              <a:t>Reminder of what we’re doing</a:t>
+            </a:r>
+          </a:p>
+        </p:txBody>
+      </p:sp>
+    </p:spTree>
+    <p:extLst>
+      <p:ext uri="{BB962C8B-B14F-4D97-AF65-F5344CB8AC3E}">
+        <p14:creationId xmlns:p14="http://schemas.microsoft.com/office/powerpoint/2010/main" val="3380759881"/>
+      </p:ext>
+    </p:extLst>
+  </p:cSld>
+  <p:clrMapOvr>
+    <a:masterClrMapping/>
+  </p:clrMapOvr>
+</p:sld>
+</file>
+
+<file path=ppt/slides/slide4.xml><?xml version="1.0" encoding="utf-8"?>
+<p:sld xmlns:a="http://schemas.openxmlformats.org/drawingml/2006/main" xmlns:r="http://schemas.openxmlformats.org/officeDocument/2006/relationships" xmlns:p="http://schemas.openxmlformats.org/presentationml/2006/main">
+  <p:cSld>
+    <p:spTree>
+      <p:nvGrpSpPr>
+        <p:cNvPr id="1" name=""/>
+        <p:cNvGrpSpPr/>
+        <p:nvPr/>
+      </p:nvGrpSpPr>
+      <p:grpSpPr>
+        <a:xfrm>
+          <a:off x="0" y="0"/>
+          <a:ext cx="0" cy="0"/>
+          <a:chOff x="0" y="0"/>
+          <a:chExt cx="0" cy="0"/>
+        </a:xfrm>
+      </p:grpSpPr>
+      <p:sp>
+        <p:nvSpPr>
+          <p:cNvPr id="2" name="Slide Number Placeholder 1">
+            <a:extLst>
+              <a:ext uri="{FF2B5EF4-FFF2-40B4-BE49-F238E27FC236}">
+                <a16:creationId xmlns:a16="http://schemas.microsoft.com/office/drawing/2014/main" id="{42D5AD80-8B4E-007B-927D-C10C914A306C}"/>
+              </a:ext>
+            </a:extLst>
+          </p:cNvPr>
+          <p:cNvSpPr>
+            <a:spLocks noGrp="1"/>
+          </p:cNvSpPr>
+          <p:nvPr>
+            <p:ph type="sldNum" sz="quarter" idx="11"/>
+          </p:nvPr>
+        </p:nvSpPr>
+        <p:spPr/>
+        <p:txBody>
+          <a:bodyPr/>
+          <a:lstStyle/>
+          <a:p>
+            <a:fld id="{294A09A9-5501-47C1-A89A-A340965A2BE2}" type="slidenum">
+              <a:rPr lang="en-US" smtClean="0"/>
+              <a:pPr/>
+              <a:t>4</a:t>
+            </a:fld>
+            <a:endParaRPr lang="en-US" dirty="0"/>
+          </a:p>
+        </p:txBody>
+      </p:sp>
+      <p:sp>
+        <p:nvSpPr>
+          <p:cNvPr id="4" name="Title 3">
+            <a:extLst>
+              <a:ext uri="{FF2B5EF4-FFF2-40B4-BE49-F238E27FC236}">
+                <a16:creationId xmlns:a16="http://schemas.microsoft.com/office/drawing/2014/main" id="{0FA09557-AB2B-6056-7ED8-192D17EBC4C6}"/>
+              </a:ext>
+            </a:extLst>
+          </p:cNvPr>
+          <p:cNvSpPr>
+            <a:spLocks noGrp="1"/>
+          </p:cNvSpPr>
+          <p:nvPr>
+            <p:ph type="title"/>
+          </p:nvPr>
+        </p:nvSpPr>
+        <p:spPr/>
+        <p:txBody>
+          <a:bodyPr/>
+          <a:lstStyle/>
+          <a:p>
+            <a:r>
+              <a:rPr lang="en-US" dirty="0"/>
+              <a:t>Project Overview</a:t>
+            </a:r>
+          </a:p>
+        </p:txBody>
+      </p:sp>
+      <p:sp>
+        <p:nvSpPr>
+          <p:cNvPr id="5" name="Content Placeholder 4">
+            <a:extLst>
+              <a:ext uri="{FF2B5EF4-FFF2-40B4-BE49-F238E27FC236}">
+                <a16:creationId xmlns:a16="http://schemas.microsoft.com/office/drawing/2014/main" id="{4DE3FFFB-1E58-CFB7-F2D2-B0F27B9A2EBA}"/>
+              </a:ext>
+            </a:extLst>
+          </p:cNvPr>
+          <p:cNvSpPr>
+            <a:spLocks noGrp="1"/>
+          </p:cNvSpPr>
+          <p:nvPr>
+            <p:ph idx="1"/>
+          </p:nvPr>
+        </p:nvSpPr>
+        <p:spPr>
+          <a:xfrm>
+            <a:off x="1536191" y="2212848"/>
+            <a:ext cx="7590053" cy="3974888"/>
+          </a:xfrm>
+        </p:spPr>
+        <p:txBody>
+          <a:bodyPr/>
+          <a:lstStyle/>
+          <a:p>
+            <a:r>
+              <a:rPr lang="en-US" dirty="0"/>
+              <a:t>Language learning app for non-beginners</a:t>
+            </a:r>
+          </a:p>
+          <a:p>
+            <a:r>
+              <a:rPr lang="en-US" dirty="0"/>
+              <a:t>Standard unit structure</a:t>
+            </a:r>
+          </a:p>
+          <a:p>
+            <a:r>
+              <a:rPr lang="en-US" dirty="0"/>
+              <a:t>Practice forming your own thoughts/ideas</a:t>
+            </a:r>
+          </a:p>
+          <a:p>
+            <a:r>
+              <a:rPr lang="en-US" dirty="0"/>
+              <a:t>Specialized scenarios</a:t>
+            </a:r>
+          </a:p>
+          <a:p>
+            <a:r>
+              <a:rPr lang="en-US" dirty="0"/>
+              <a:t>Chatbot</a:t>
+            </a:r>
+          </a:p>
+        </p:txBody>
+      </p:sp>
+    </p:spTree>
+    <p:extLst>
+      <p:ext uri="{BB962C8B-B14F-4D97-AF65-F5344CB8AC3E}">
+        <p14:creationId xmlns:p14="http://schemas.microsoft.com/office/powerpoint/2010/main" val="958152989"/>
+      </p:ext>
+    </p:extLst>
+  </p:cSld>
+  <p:clrMapOvr>
+    <a:masterClrMapping/>
+  </p:clrMapOvr>
+</p:sld>
+</file>
+
+<file path=ppt/slides/slide5.xml><?xml version="1.0" encoding="utf-8"?>
+<p:sld xmlns:a="http://schemas.openxmlformats.org/drawingml/2006/main" xmlns:r="http://schemas.openxmlformats.org/officeDocument/2006/relationships" xmlns:p="http://schemas.openxmlformats.org/presentationml/2006/main">
+  <p:cSld>
+    <p:spTree>
+      <p:nvGrpSpPr>
+        <p:cNvPr id="1" name=""/>
+        <p:cNvGrpSpPr/>
+        <p:nvPr/>
+      </p:nvGrpSpPr>
+      <p:grpSpPr>
+        <a:xfrm>
+          <a:off x="0" y="0"/>
+          <a:ext cx="0" cy="0"/>
+          <a:chOff x="0" y="0"/>
+          <a:chExt cx="0" cy="0"/>
+        </a:xfrm>
+      </p:grpSpPr>
+      <p:sp>
+        <p:nvSpPr>
+          <p:cNvPr id="2" name="Title 1">
+            <a:extLst>
+              <a:ext uri="{FF2B5EF4-FFF2-40B4-BE49-F238E27FC236}">
+                <a16:creationId xmlns:a16="http://schemas.microsoft.com/office/drawing/2014/main" id="{797310B5-D907-A977-7A9C-69F8BEB7BB3F}"/>
+              </a:ext>
+            </a:extLst>
+          </p:cNvPr>
+          <p:cNvSpPr>
+            <a:spLocks noGrp="1"/>
+          </p:cNvSpPr>
+          <p:nvPr>
+            <p:ph type="ctrTitle"/>
+          </p:nvPr>
+        </p:nvSpPr>
+        <p:spPr/>
+        <p:txBody>
+          <a:bodyPr/>
+          <a:lstStyle/>
+          <a:p>
+            <a:r>
+              <a:rPr lang="en-US" dirty="0"/>
+              <a:t>Sprint Backlog</a:t>
+            </a:r>
+          </a:p>
+        </p:txBody>
+      </p:sp>
+      <p:sp>
+        <p:nvSpPr>
+          <p:cNvPr id="3" name="Subtitle 2">
+            <a:extLst>
+              <a:ext uri="{FF2B5EF4-FFF2-40B4-BE49-F238E27FC236}">
+                <a16:creationId xmlns:a16="http://schemas.microsoft.com/office/drawing/2014/main" id="{C05FF0B8-5B51-7376-0271-8D849CA3F8A8}"/>
+              </a:ext>
+            </a:extLst>
+          </p:cNvPr>
+          <p:cNvSpPr>
+            <a:spLocks noGrp="1"/>
+          </p:cNvSpPr>
+          <p:nvPr>
+            <p:ph type="subTitle" idx="1"/>
+          </p:nvPr>
+        </p:nvSpPr>
+        <p:spPr/>
+        <p:txBody>
+          <a:bodyPr/>
+          <a:lstStyle/>
+          <a:p>
+            <a:r>
+              <a:rPr lang="en-US" dirty="0"/>
+              <a:t>Accomplishments and challenges</a:t>
+            </a:r>
+          </a:p>
+        </p:txBody>
+      </p:sp>
+    </p:spTree>
+    <p:extLst>
+      <p:ext uri="{BB962C8B-B14F-4D97-AF65-F5344CB8AC3E}">
+        <p14:creationId xmlns:p14="http://schemas.microsoft.com/office/powerpoint/2010/main" val="548476299"/>
+      </p:ext>
+    </p:extLst>
+  </p:cSld>
+  <p:clrMapOvr>
+    <a:masterClrMapping/>
+  </p:clrMapOvr>
+</p:sld>
+</file>
+
+<file path=ppt/slides/slide6.xml><?xml version="1.0" encoding="utf-8"?>
+<p:sld xmlns:a="http://schemas.openxmlformats.org/drawingml/2006/main" xmlns:r="http://schemas.openxmlformats.org/officeDocument/2006/relationships" xmlns:p="http://schemas.openxmlformats.org/presentationml/2006/main">
+  <p:cSld>
+    <p:spTree>
+      <p:nvGrpSpPr>
+        <p:cNvPr id="1" name=""/>
+        <p:cNvGrpSpPr/>
+        <p:nvPr/>
+      </p:nvGrpSpPr>
+      <p:grpSpPr>
+        <a:xfrm>
+          <a:off x="0" y="0"/>
+          <a:ext cx="0" cy="0"/>
+          <a:chOff x="0" y="0"/>
+          <a:chExt cx="0" cy="0"/>
+        </a:xfrm>
+      </p:grpSpPr>
+      <p:sp>
+        <p:nvSpPr>
+          <p:cNvPr id="2" name="Title 1">
+            <a:extLst>
+              <a:ext uri="{FF2B5EF4-FFF2-40B4-BE49-F238E27FC236}">
+                <a16:creationId xmlns:a16="http://schemas.microsoft.com/office/drawing/2014/main" id="{D249E45E-D6A7-9780-F652-BAF86DFBCC00}"/>
+              </a:ext>
+            </a:extLst>
+          </p:cNvPr>
+          <p:cNvSpPr>
+            <a:spLocks noGrp="1"/>
+          </p:cNvSpPr>
+          <p:nvPr>
+            <p:ph type="title"/>
+          </p:nvPr>
+        </p:nvSpPr>
+        <p:spPr/>
+        <p:txBody>
+          <a:bodyPr/>
+          <a:lstStyle/>
+          <a:p>
+            <a:r>
+              <a:rPr lang="en-US" dirty="0"/>
+              <a:t>Sprint Backlog</a:t>
             </a:r>
           </a:p>
         </p:txBody>
@@ -17252,7 +18204,7 @@
           <a:p>
             <a:fld id="{294A09A9-5501-47C1-A89A-A340965A2BE2}" type="slidenum">
               <a:rPr lang="en-US" smtClean="0"/>
-              <a:t>10</a:t>
+              <a:t>6</a:t>
             </a:fld>
             <a:endParaRPr lang="en-US" dirty="0"/>
           </a:p>
@@ -17286,7 +18238,7 @@
           <a:p>
             <a:r>
               <a:rPr lang="en-US" dirty="0"/>
-              <a:t>Integration</a:t>
+              <a:t>Website</a:t>
             </a:r>
           </a:p>
         </p:txBody>
@@ -17309,7 +18261,7 @@
         </p:nvSpPr>
         <p:spPr>
           <a:xfrm>
-            <a:off x="1536191" y="3089428"/>
+            <a:off x="1536191" y="3086098"/>
             <a:ext cx="2987683" cy="2945611"/>
           </a:xfrm>
         </p:spPr>
@@ -17319,13 +18271,31 @@
           <a:p>
             <a:r>
               <a:rPr lang="en-US" dirty="0"/>
-              <a:t>All vocab, flashcards, quiz, and chatbot are implemented</a:t>
+              <a:t>Global dictionary</a:t>
             </a:r>
           </a:p>
           <a:p>
             <a:r>
               <a:rPr lang="en-US" dirty="0"/>
-              <a:t>Adjusted formatting to  look nicer</a:t>
+              <a:t>Revamped designs of existing features</a:t>
+            </a:r>
+          </a:p>
+          <a:p>
+            <a:r>
+              <a:rPr lang="en-US" dirty="0"/>
+              <a:t>Unit home pages</a:t>
+            </a:r>
+          </a:p>
+          <a:p>
+            <a:r>
+              <a:rPr lang="en-US" dirty="0"/>
+              <a:t>Variety of exercise types</a:t>
+            </a:r>
+          </a:p>
+          <a:p>
+            <a:r>
+              <a:rPr lang="en-US" dirty="0"/>
+              <a:t>Additional unit content</a:t>
             </a:r>
           </a:p>
         </p:txBody>
@@ -17348,7 +18318,7 @@
         </p:nvSpPr>
         <p:spPr>
           <a:xfrm>
-            <a:off x="4523874" y="3089428"/>
+            <a:off x="4523874" y="3091645"/>
             <a:ext cx="3177381" cy="2749898"/>
           </a:xfrm>
         </p:spPr>
@@ -17358,19 +18328,19 @@
           <a:p>
             <a:r>
               <a:rPr lang="en-US" dirty="0"/>
-              <a:t>Specialized scenarios are hard to accomplish</a:t>
+              <a:t>Integrated with web framework</a:t>
             </a:r>
           </a:p>
           <a:p>
             <a:r>
               <a:rPr lang="en-US" dirty="0"/>
-              <a:t>Added 2 separate ones but can easily add more</a:t>
+              <a:t>Supports user message grading</a:t>
             </a:r>
           </a:p>
           <a:p>
             <a:r>
               <a:rPr lang="en-US" dirty="0"/>
-              <a:t>Added a quiz feature with grammar exercises</a:t>
+              <a:t>Holds to topic very well</a:t>
             </a:r>
           </a:p>
         </p:txBody>
@@ -17403,7 +18373,7 @@
           <a:p>
             <a:r>
               <a:rPr lang="en-US" dirty="0"/>
-              <a:t>Units</a:t>
+              <a:t>Chat</a:t>
             </a:r>
           </a:p>
         </p:txBody>
@@ -17616,10 +18586,9 @@
           </a:lstStyle>
           <a:p>
             <a:r>
-              <a:rPr lang="en-US" dirty="0" err="1"/>
-              <a:t>ChatBot</a:t>
-            </a:r>
-            <a:endParaRPr lang="en-US" dirty="0"/>
+              <a:rPr lang="en-US" dirty="0"/>
+              <a:t>Accessibility</a:t>
+            </a:r>
           </a:p>
         </p:txBody>
       </p:sp>
@@ -17639,7 +18608,7 @@
         </p:nvSpPr>
         <p:spPr>
           <a:xfrm>
-            <a:off x="7900097" y="3089428"/>
+            <a:off x="7900097" y="3086098"/>
             <a:ext cx="2524063" cy="2749898"/>
           </a:xfrm>
           <a:prstGeom prst="rect">
@@ -17832,20 +18801,17 @@
           <a:p>
             <a:r>
               <a:rPr lang="en-US" dirty="0"/>
-              <a:t>IT WORKS </a:t>
+              <a:t>On-screen keyboard for chat route</a:t>
             </a:r>
           </a:p>
           <a:p>
             <a:r>
               <a:rPr lang="en-US" dirty="0"/>
-              <a:t>API requests come out to about 3 per cent</a:t>
-            </a:r>
-          </a:p>
-          <a:p>
-            <a:r>
-              <a:rPr lang="en-US" dirty="0"/>
-              <a:t>Integrated first try</a:t>
-            </a:r>
+              <a:t>Vocab units now divided by parts-of-speech</a:t>
+            </a:r>
+          </a:p>
+          <a:p>
+            <a:endParaRPr lang="en-US" dirty="0"/>
           </a:p>
         </p:txBody>
       </p:sp>
@@ -17853,1280 +18819,6 @@
     <p:extLst>
       <p:ext uri="{BB962C8B-B14F-4D97-AF65-F5344CB8AC3E}">
         <p14:creationId xmlns:p14="http://schemas.microsoft.com/office/powerpoint/2010/main" val="4153320981"/>
-      </p:ext>
-    </p:extLst>
-  </p:cSld>
-  <p:clrMapOvr>
-    <a:masterClrMapping/>
-  </p:clrMapOvr>
-</p:sld>
-</file>
-
-<file path=ppt/slides/slide11.xml><?xml version="1.0" encoding="utf-8"?>
-<p:sld xmlns:a="http://schemas.openxmlformats.org/drawingml/2006/main" xmlns:r="http://schemas.openxmlformats.org/officeDocument/2006/relationships" xmlns:p="http://schemas.openxmlformats.org/presentationml/2006/main">
-  <p:cSld>
-    <p:spTree>
-      <p:nvGrpSpPr>
-        <p:cNvPr id="1" name=""/>
-        <p:cNvGrpSpPr/>
-        <p:nvPr/>
-      </p:nvGrpSpPr>
-      <p:grpSpPr>
-        <a:xfrm>
-          <a:off x="0" y="0"/>
-          <a:ext cx="0" cy="0"/>
-          <a:chOff x="0" y="0"/>
-          <a:chExt cx="0" cy="0"/>
-        </a:xfrm>
-      </p:grpSpPr>
-      <p:sp>
-        <p:nvSpPr>
-          <p:cNvPr id="2" name="Title 1">
-            <a:extLst>
-              <a:ext uri="{FF2B5EF4-FFF2-40B4-BE49-F238E27FC236}">
-                <a16:creationId xmlns:a16="http://schemas.microsoft.com/office/drawing/2014/main" id="{636BE557-F4A8-6590-5E9B-92EA98661884}"/>
-              </a:ext>
-            </a:extLst>
-          </p:cNvPr>
-          <p:cNvSpPr>
-            <a:spLocks noGrp="1"/>
-          </p:cNvSpPr>
-          <p:nvPr>
-            <p:ph type="ctrTitle"/>
-          </p:nvPr>
-        </p:nvSpPr>
-        <p:spPr/>
-        <p:txBody>
-          <a:bodyPr/>
-          <a:lstStyle/>
-          <a:p>
-            <a:r>
-              <a:rPr lang="en-US" dirty="0"/>
-              <a:t>One last ride</a:t>
-            </a:r>
-          </a:p>
-        </p:txBody>
-      </p:sp>
-      <p:sp>
-        <p:nvSpPr>
-          <p:cNvPr id="3" name="Subtitle 2">
-            <a:extLst>
-              <a:ext uri="{FF2B5EF4-FFF2-40B4-BE49-F238E27FC236}">
-                <a16:creationId xmlns:a16="http://schemas.microsoft.com/office/drawing/2014/main" id="{B0249A60-C73B-D0FB-E131-FFA51B227F0A}"/>
-              </a:ext>
-            </a:extLst>
-          </p:cNvPr>
-          <p:cNvSpPr>
-            <a:spLocks noGrp="1"/>
-          </p:cNvSpPr>
-          <p:nvPr>
-            <p:ph type="subTitle" idx="1"/>
-          </p:nvPr>
-        </p:nvSpPr>
-        <p:spPr/>
-        <p:txBody>
-          <a:bodyPr/>
-          <a:lstStyle/>
-          <a:p>
-            <a:r>
-              <a:rPr lang="en-US" dirty="0"/>
-              <a:t>Features we aim to implement before our final meeting with our client and before we end the year</a:t>
-            </a:r>
-          </a:p>
-        </p:txBody>
-      </p:sp>
-    </p:spTree>
-    <p:extLst>
-      <p:ext uri="{BB962C8B-B14F-4D97-AF65-F5344CB8AC3E}">
-        <p14:creationId xmlns:p14="http://schemas.microsoft.com/office/powerpoint/2010/main" val="3306326381"/>
-      </p:ext>
-    </p:extLst>
-  </p:cSld>
-  <p:clrMapOvr>
-    <a:masterClrMapping/>
-  </p:clrMapOvr>
-</p:sld>
-</file>
-
-<file path=ppt/slides/slide12.xml><?xml version="1.0" encoding="utf-8"?>
-<p:sld xmlns:a="http://schemas.openxmlformats.org/drawingml/2006/main" xmlns:r="http://schemas.openxmlformats.org/officeDocument/2006/relationships" xmlns:p="http://schemas.openxmlformats.org/presentationml/2006/main">
-  <p:cSld>
-    <p:spTree>
-      <p:nvGrpSpPr>
-        <p:cNvPr id="1" name=""/>
-        <p:cNvGrpSpPr/>
-        <p:nvPr/>
-      </p:nvGrpSpPr>
-      <p:grpSpPr>
-        <a:xfrm>
-          <a:off x="0" y="0"/>
-          <a:ext cx="0" cy="0"/>
-          <a:chOff x="0" y="0"/>
-          <a:chExt cx="0" cy="0"/>
-        </a:xfrm>
-      </p:grpSpPr>
-      <p:sp>
-        <p:nvSpPr>
-          <p:cNvPr id="2" name="Slide Number Placeholder 1">
-            <a:extLst>
-              <a:ext uri="{FF2B5EF4-FFF2-40B4-BE49-F238E27FC236}">
-                <a16:creationId xmlns:a16="http://schemas.microsoft.com/office/drawing/2014/main" id="{42D5AD80-8B4E-007B-927D-C10C914A306C}"/>
-              </a:ext>
-            </a:extLst>
-          </p:cNvPr>
-          <p:cNvSpPr>
-            <a:spLocks noGrp="1"/>
-          </p:cNvSpPr>
-          <p:nvPr>
-            <p:ph type="sldNum" sz="quarter" idx="11"/>
-          </p:nvPr>
-        </p:nvSpPr>
-        <p:spPr/>
-        <p:txBody>
-          <a:bodyPr/>
-          <a:lstStyle/>
-          <a:p>
-            <a:fld id="{294A09A9-5501-47C1-A89A-A340965A2BE2}" type="slidenum">
-              <a:rPr lang="en-US" smtClean="0"/>
-              <a:pPr/>
-              <a:t>12</a:t>
-            </a:fld>
-            <a:endParaRPr lang="en-US" dirty="0"/>
-          </a:p>
-        </p:txBody>
-      </p:sp>
-      <p:sp>
-        <p:nvSpPr>
-          <p:cNvPr id="4" name="Title 3">
-            <a:extLst>
-              <a:ext uri="{FF2B5EF4-FFF2-40B4-BE49-F238E27FC236}">
-                <a16:creationId xmlns:a16="http://schemas.microsoft.com/office/drawing/2014/main" id="{0FA09557-AB2B-6056-7ED8-192D17EBC4C6}"/>
-              </a:ext>
-            </a:extLst>
-          </p:cNvPr>
-          <p:cNvSpPr>
-            <a:spLocks noGrp="1"/>
-          </p:cNvSpPr>
-          <p:nvPr>
-            <p:ph type="title"/>
-          </p:nvPr>
-        </p:nvSpPr>
-        <p:spPr/>
-        <p:txBody>
-          <a:bodyPr/>
-          <a:lstStyle/>
-          <a:p>
-            <a:r>
-              <a:rPr lang="en-US" dirty="0"/>
-              <a:t>Moving forward</a:t>
-            </a:r>
-          </a:p>
-        </p:txBody>
-      </p:sp>
-      <p:sp>
-        <p:nvSpPr>
-          <p:cNvPr id="5" name="Content Placeholder 4">
-            <a:extLst>
-              <a:ext uri="{FF2B5EF4-FFF2-40B4-BE49-F238E27FC236}">
-                <a16:creationId xmlns:a16="http://schemas.microsoft.com/office/drawing/2014/main" id="{4DE3FFFB-1E58-CFB7-F2D2-B0F27B9A2EBA}"/>
-              </a:ext>
-            </a:extLst>
-          </p:cNvPr>
-          <p:cNvSpPr>
-            <a:spLocks noGrp="1"/>
-          </p:cNvSpPr>
-          <p:nvPr>
-            <p:ph idx="1"/>
-          </p:nvPr>
-        </p:nvSpPr>
-        <p:spPr/>
-        <p:txBody>
-          <a:bodyPr/>
-          <a:lstStyle/>
-          <a:p>
-            <a:r>
-              <a:rPr lang="en-US" dirty="0"/>
-              <a:t>Meet one more time with the Russian department</a:t>
-            </a:r>
-          </a:p>
-          <a:p>
-            <a:r>
-              <a:rPr lang="en-US" dirty="0"/>
-              <a:t>Format our work</a:t>
-            </a:r>
-          </a:p>
-          <a:p>
-            <a:r>
-              <a:rPr lang="en-US" dirty="0"/>
-              <a:t>Market bound?</a:t>
-            </a:r>
-          </a:p>
-        </p:txBody>
-      </p:sp>
-    </p:spTree>
-    <p:extLst>
-      <p:ext uri="{BB962C8B-B14F-4D97-AF65-F5344CB8AC3E}">
-        <p14:creationId xmlns:p14="http://schemas.microsoft.com/office/powerpoint/2010/main" val="3844284687"/>
-      </p:ext>
-    </p:extLst>
-  </p:cSld>
-  <p:clrMapOvr>
-    <a:masterClrMapping/>
-  </p:clrMapOvr>
-</p:sld>
-</file>
-
-<file path=ppt/slides/slide13.xml><?xml version="1.0" encoding="utf-8"?>
-<p:sld xmlns:a="http://schemas.openxmlformats.org/drawingml/2006/main" xmlns:r="http://schemas.openxmlformats.org/officeDocument/2006/relationships" xmlns:p="http://schemas.openxmlformats.org/presentationml/2006/main">
-  <p:cSld>
-    <p:spTree>
-      <p:nvGrpSpPr>
-        <p:cNvPr id="1" name=""/>
-        <p:cNvGrpSpPr/>
-        <p:nvPr/>
-      </p:nvGrpSpPr>
-      <p:grpSpPr>
-        <a:xfrm>
-          <a:off x="0" y="0"/>
-          <a:ext cx="0" cy="0"/>
-          <a:chOff x="0" y="0"/>
-          <a:chExt cx="0" cy="0"/>
-        </a:xfrm>
-      </p:grpSpPr>
-      <p:sp>
-        <p:nvSpPr>
-          <p:cNvPr id="2" name="Title 1">
-            <a:extLst>
-              <a:ext uri="{FF2B5EF4-FFF2-40B4-BE49-F238E27FC236}">
-                <a16:creationId xmlns:a16="http://schemas.microsoft.com/office/drawing/2014/main" id="{2C9E1892-81E6-551C-7B5A-DEA68224520B}"/>
-              </a:ext>
-            </a:extLst>
-          </p:cNvPr>
-          <p:cNvSpPr>
-            <a:spLocks noGrp="1"/>
-          </p:cNvSpPr>
-          <p:nvPr>
-            <p:ph type="title"/>
-          </p:nvPr>
-        </p:nvSpPr>
-        <p:spPr/>
-        <p:txBody>
-          <a:bodyPr/>
-          <a:lstStyle/>
-          <a:p>
-            <a:r>
-              <a:rPr lang="en-US" dirty="0"/>
-              <a:t>Thank You</a:t>
-            </a:r>
-          </a:p>
-        </p:txBody>
-      </p:sp>
-      <p:sp>
-        <p:nvSpPr>
-          <p:cNvPr id="3" name="Text Placeholder 2">
-            <a:extLst>
-              <a:ext uri="{FF2B5EF4-FFF2-40B4-BE49-F238E27FC236}">
-                <a16:creationId xmlns:a16="http://schemas.microsoft.com/office/drawing/2014/main" id="{55519D01-29BE-BE76-41C5-9D58AD8119DC}"/>
-              </a:ext>
-            </a:extLst>
-          </p:cNvPr>
-          <p:cNvSpPr>
-            <a:spLocks noGrp="1"/>
-          </p:cNvSpPr>
-          <p:nvPr>
-            <p:ph type="body" idx="1"/>
-          </p:nvPr>
-        </p:nvSpPr>
-        <p:spPr/>
-        <p:txBody>
-          <a:bodyPr/>
-          <a:lstStyle/>
-          <a:p>
-            <a:pPr algn="l"/>
-            <a:r>
-              <a:rPr lang="en-US" dirty="0">
-                <a:latin typeface="Segoe UI Light" panose="020B0502040204020203" pitchFamily="34" charset="0"/>
-                <a:cs typeface="Segoe UI Light" panose="020B0502040204020203" pitchFamily="34" charset="0"/>
-              </a:rPr>
-              <a:t>Ethan Schillinger</a:t>
-            </a:r>
-          </a:p>
-          <a:p>
-            <a:pPr algn="l"/>
-            <a:r>
-              <a:rPr lang="en-US" dirty="0">
-                <a:latin typeface="Segoe UI Light" panose="020B0502040204020203" pitchFamily="34" charset="0"/>
-                <a:cs typeface="Segoe UI Light" panose="020B0502040204020203" pitchFamily="34" charset="0"/>
-              </a:rPr>
-              <a:t>Jacob Schenck</a:t>
-            </a:r>
-          </a:p>
-          <a:p>
-            <a:pPr algn="l"/>
-            <a:r>
-              <a:rPr lang="en-US" dirty="0">
-                <a:latin typeface="Segoe UI Light" panose="020B0502040204020203" pitchFamily="34" charset="0"/>
-                <a:cs typeface="Segoe UI Light" panose="020B0502040204020203" pitchFamily="34" charset="0"/>
-              </a:rPr>
-              <a:t>Joe Vossel</a:t>
-            </a:r>
-          </a:p>
-        </p:txBody>
-      </p:sp>
-    </p:spTree>
-    <p:extLst>
-      <p:ext uri="{BB962C8B-B14F-4D97-AF65-F5344CB8AC3E}">
-        <p14:creationId xmlns:p14="http://schemas.microsoft.com/office/powerpoint/2010/main" val="1877701230"/>
-      </p:ext>
-    </p:extLst>
-  </p:cSld>
-  <p:clrMapOvr>
-    <a:masterClrMapping/>
-  </p:clrMapOvr>
-</p:sld>
-</file>
-
-<file path=ppt/slides/slide2.xml><?xml version="1.0" encoding="utf-8"?>
-<p:sld xmlns:a="http://schemas.openxmlformats.org/drawingml/2006/main" xmlns:r="http://schemas.openxmlformats.org/officeDocument/2006/relationships" xmlns:p="http://schemas.openxmlformats.org/presentationml/2006/main">
-  <p:cSld>
-    <p:spTree>
-      <p:nvGrpSpPr>
-        <p:cNvPr id="1" name=""/>
-        <p:cNvGrpSpPr/>
-        <p:nvPr/>
-      </p:nvGrpSpPr>
-      <p:grpSpPr>
-        <a:xfrm>
-          <a:off x="0" y="0"/>
-          <a:ext cx="0" cy="0"/>
-          <a:chOff x="0" y="0"/>
-          <a:chExt cx="0" cy="0"/>
-        </a:xfrm>
-      </p:grpSpPr>
-      <p:sp>
-        <p:nvSpPr>
-          <p:cNvPr id="2" name="Title 1">
-            <a:extLst>
-              <a:ext uri="{FF2B5EF4-FFF2-40B4-BE49-F238E27FC236}">
-                <a16:creationId xmlns:a16="http://schemas.microsoft.com/office/drawing/2014/main" id="{C07F7E09-6A9E-9FCC-7867-895F21ABE716}"/>
-              </a:ext>
-            </a:extLst>
-          </p:cNvPr>
-          <p:cNvSpPr>
-            <a:spLocks noGrp="1"/>
-          </p:cNvSpPr>
-          <p:nvPr>
-            <p:ph type="title"/>
-          </p:nvPr>
-        </p:nvSpPr>
-        <p:spPr/>
-        <p:txBody>
-          <a:bodyPr>
-            <a:normAutofit/>
-          </a:bodyPr>
-          <a:lstStyle/>
-          <a:p>
-            <a:r>
-              <a:rPr lang="en-US" sz="4000" b="1" spc="600" dirty="0">
-                <a:ln w="28575">
-                  <a:noFill/>
-                  <a:prstDash val="solid"/>
-                </a:ln>
-                <a:solidFill>
-                  <a:schemeClr val="bg1"/>
-                </a:solidFill>
-                <a:latin typeface="Tw Cen MT" panose="020B0602020104020603" pitchFamily="34" charset="77"/>
-              </a:rPr>
-              <a:t>CONTENTS</a:t>
-            </a:r>
-            <a:endParaRPr lang="en-US" dirty="0"/>
-          </a:p>
-        </p:txBody>
-      </p:sp>
-      <p:sp>
-        <p:nvSpPr>
-          <p:cNvPr id="5" name="Slide Number Placeholder 4">
-            <a:extLst>
-              <a:ext uri="{FF2B5EF4-FFF2-40B4-BE49-F238E27FC236}">
-                <a16:creationId xmlns:a16="http://schemas.microsoft.com/office/drawing/2014/main" id="{9157728F-9EA1-A705-8E4D-B7823E4F4C26}"/>
-              </a:ext>
-            </a:extLst>
-          </p:cNvPr>
-          <p:cNvSpPr>
-            <a:spLocks noGrp="1"/>
-          </p:cNvSpPr>
-          <p:nvPr>
-            <p:ph type="sldNum" sz="quarter" idx="11"/>
-          </p:nvPr>
-        </p:nvSpPr>
-        <p:spPr/>
-        <p:txBody>
-          <a:bodyPr/>
-          <a:lstStyle/>
-          <a:p>
-            <a:fld id="{294A09A9-5501-47C1-A89A-A340965A2BE2}" type="slidenum">
-              <a:rPr lang="en-US" smtClean="0"/>
-              <a:pPr/>
-              <a:t>2</a:t>
-            </a:fld>
-            <a:endParaRPr lang="en-US" dirty="0"/>
-          </a:p>
-        </p:txBody>
-      </p:sp>
-      <p:sp>
-        <p:nvSpPr>
-          <p:cNvPr id="3" name="Content Placeholder 2">
-            <a:extLst>
-              <a:ext uri="{FF2B5EF4-FFF2-40B4-BE49-F238E27FC236}">
-                <a16:creationId xmlns:a16="http://schemas.microsoft.com/office/drawing/2014/main" id="{199158D4-7B61-0A48-E33F-792278D05724}"/>
-              </a:ext>
-            </a:extLst>
-          </p:cNvPr>
-          <p:cNvSpPr>
-            <a:spLocks noGrp="1"/>
-          </p:cNvSpPr>
-          <p:nvPr>
-            <p:ph idx="1"/>
-          </p:nvPr>
-        </p:nvSpPr>
-        <p:spPr/>
-        <p:txBody>
-          <a:bodyPr/>
-          <a:lstStyle/>
-          <a:p>
-            <a:pPr marL="342900" indent="-342900" algn="l">
-              <a:lnSpc>
-                <a:spcPct val="150000"/>
-              </a:lnSpc>
-              <a:buClr>
-                <a:schemeClr val="accent6"/>
-              </a:buClr>
-              <a:buFont typeface="Courier New" panose="02070309020205020404" pitchFamily="49" charset="0"/>
-              <a:buChar char="o"/>
-            </a:pPr>
-            <a:r>
-              <a:rPr lang="en-US" dirty="0">
-                <a:solidFill>
-                  <a:schemeClr val="bg1"/>
-                </a:solidFill>
-                <a:latin typeface="Segoe UI Light" panose="020B0502040204020203" pitchFamily="34" charset="0"/>
-                <a:cs typeface="Segoe UI Light" panose="020B0502040204020203" pitchFamily="34" charset="0"/>
-              </a:rPr>
-              <a:t>Project Overview</a:t>
-            </a:r>
-          </a:p>
-          <a:p>
-            <a:pPr marL="342900" indent="-342900" algn="l">
-              <a:lnSpc>
-                <a:spcPct val="150000"/>
-              </a:lnSpc>
-              <a:buClr>
-                <a:schemeClr val="accent6"/>
-              </a:buClr>
-              <a:buFont typeface="Courier New" panose="02070309020205020404" pitchFamily="49" charset="0"/>
-              <a:buChar char="o"/>
-            </a:pPr>
-            <a:r>
-              <a:rPr lang="en-US" dirty="0">
-                <a:solidFill>
-                  <a:schemeClr val="bg1"/>
-                </a:solidFill>
-                <a:latin typeface="Segoe UI Light" panose="020B0502040204020203" pitchFamily="34" charset="0"/>
-                <a:cs typeface="Segoe UI Light" panose="020B0502040204020203" pitchFamily="34" charset="0"/>
-              </a:rPr>
-              <a:t>Sprint Backlog</a:t>
-            </a:r>
-          </a:p>
-          <a:p>
-            <a:pPr marL="342900" indent="-342900" algn="l">
-              <a:lnSpc>
-                <a:spcPct val="150000"/>
-              </a:lnSpc>
-              <a:buClr>
-                <a:schemeClr val="accent6"/>
-              </a:buClr>
-              <a:buFont typeface="Courier New" panose="02070309020205020404" pitchFamily="49" charset="0"/>
-              <a:buChar char="o"/>
-            </a:pPr>
-            <a:r>
-              <a:rPr lang="en-US" dirty="0">
-                <a:solidFill>
-                  <a:schemeClr val="bg1"/>
-                </a:solidFill>
-                <a:latin typeface="Segoe UI Light" panose="020B0502040204020203" pitchFamily="34" charset="0"/>
-                <a:cs typeface="Segoe UI Light" panose="020B0502040204020203" pitchFamily="34" charset="0"/>
-              </a:rPr>
-              <a:t>Website Demo</a:t>
-            </a:r>
-          </a:p>
-          <a:p>
-            <a:pPr marL="342900" indent="-342900" algn="l">
-              <a:lnSpc>
-                <a:spcPct val="150000"/>
-              </a:lnSpc>
-              <a:buClr>
-                <a:schemeClr val="accent6"/>
-              </a:buClr>
-              <a:buFont typeface="Courier New" panose="02070309020205020404" pitchFamily="49" charset="0"/>
-              <a:buChar char="o"/>
-            </a:pPr>
-            <a:r>
-              <a:rPr lang="en-US" dirty="0">
-                <a:solidFill>
-                  <a:schemeClr val="bg1"/>
-                </a:solidFill>
-                <a:latin typeface="Segoe UI Light" panose="020B0502040204020203" pitchFamily="34" charset="0"/>
-                <a:cs typeface="Segoe UI Light" panose="020B0502040204020203" pitchFamily="34" charset="0"/>
-              </a:rPr>
-              <a:t>Moving Forward</a:t>
-            </a:r>
-          </a:p>
-        </p:txBody>
-      </p:sp>
-    </p:spTree>
-    <p:extLst>
-      <p:ext uri="{BB962C8B-B14F-4D97-AF65-F5344CB8AC3E}">
-        <p14:creationId xmlns:p14="http://schemas.microsoft.com/office/powerpoint/2010/main" val="3548027083"/>
-      </p:ext>
-    </p:extLst>
-  </p:cSld>
-  <p:clrMapOvr>
-    <a:masterClrMapping/>
-  </p:clrMapOvr>
-</p:sld>
-</file>
-
-<file path=ppt/slides/slide3.xml><?xml version="1.0" encoding="utf-8"?>
-<p:sld xmlns:a="http://schemas.openxmlformats.org/drawingml/2006/main" xmlns:r="http://schemas.openxmlformats.org/officeDocument/2006/relationships" xmlns:p="http://schemas.openxmlformats.org/presentationml/2006/main">
-  <p:cSld>
-    <p:spTree>
-      <p:nvGrpSpPr>
-        <p:cNvPr id="1" name=""/>
-        <p:cNvGrpSpPr/>
-        <p:nvPr/>
-      </p:nvGrpSpPr>
-      <p:grpSpPr>
-        <a:xfrm>
-          <a:off x="0" y="0"/>
-          <a:ext cx="0" cy="0"/>
-          <a:chOff x="0" y="0"/>
-          <a:chExt cx="0" cy="0"/>
-        </a:xfrm>
-      </p:grpSpPr>
-      <p:sp>
-        <p:nvSpPr>
-          <p:cNvPr id="2" name="Title 1">
-            <a:extLst>
-              <a:ext uri="{FF2B5EF4-FFF2-40B4-BE49-F238E27FC236}">
-                <a16:creationId xmlns:a16="http://schemas.microsoft.com/office/drawing/2014/main" id="{F41F0E99-07CC-9576-AFD7-C52151AD0EA3}"/>
-              </a:ext>
-            </a:extLst>
-          </p:cNvPr>
-          <p:cNvSpPr>
-            <a:spLocks noGrp="1"/>
-          </p:cNvSpPr>
-          <p:nvPr>
-            <p:ph type="ctrTitle"/>
-          </p:nvPr>
-        </p:nvSpPr>
-        <p:spPr/>
-        <p:txBody>
-          <a:bodyPr/>
-          <a:lstStyle/>
-          <a:p>
-            <a:r>
-              <a:rPr lang="en-US" dirty="0"/>
-              <a:t>Project Overview</a:t>
-            </a:r>
-          </a:p>
-        </p:txBody>
-      </p:sp>
-      <p:sp>
-        <p:nvSpPr>
-          <p:cNvPr id="3" name="Subtitle 2">
-            <a:extLst>
-              <a:ext uri="{FF2B5EF4-FFF2-40B4-BE49-F238E27FC236}">
-                <a16:creationId xmlns:a16="http://schemas.microsoft.com/office/drawing/2014/main" id="{5A82A8B0-333F-633E-3FA7-D38DBFB10971}"/>
-              </a:ext>
-            </a:extLst>
-          </p:cNvPr>
-          <p:cNvSpPr>
-            <a:spLocks noGrp="1"/>
-          </p:cNvSpPr>
-          <p:nvPr>
-            <p:ph type="subTitle" idx="1"/>
-          </p:nvPr>
-        </p:nvSpPr>
-        <p:spPr/>
-        <p:txBody>
-          <a:bodyPr/>
-          <a:lstStyle/>
-          <a:p>
-            <a:r>
-              <a:rPr lang="en-US" dirty="0"/>
-              <a:t>Reminder of what we’re doing</a:t>
-            </a:r>
-          </a:p>
-        </p:txBody>
-      </p:sp>
-    </p:spTree>
-    <p:extLst>
-      <p:ext uri="{BB962C8B-B14F-4D97-AF65-F5344CB8AC3E}">
-        <p14:creationId xmlns:p14="http://schemas.microsoft.com/office/powerpoint/2010/main" val="3380759881"/>
-      </p:ext>
-    </p:extLst>
-  </p:cSld>
-  <p:clrMapOvr>
-    <a:masterClrMapping/>
-  </p:clrMapOvr>
-</p:sld>
-</file>
-
-<file path=ppt/slides/slide4.xml><?xml version="1.0" encoding="utf-8"?>
-<p:sld xmlns:a="http://schemas.openxmlformats.org/drawingml/2006/main" xmlns:r="http://schemas.openxmlformats.org/officeDocument/2006/relationships" xmlns:p="http://schemas.openxmlformats.org/presentationml/2006/main">
-  <p:cSld>
-    <p:spTree>
-      <p:nvGrpSpPr>
-        <p:cNvPr id="1" name=""/>
-        <p:cNvGrpSpPr/>
-        <p:nvPr/>
-      </p:nvGrpSpPr>
-      <p:grpSpPr>
-        <a:xfrm>
-          <a:off x="0" y="0"/>
-          <a:ext cx="0" cy="0"/>
-          <a:chOff x="0" y="0"/>
-          <a:chExt cx="0" cy="0"/>
-        </a:xfrm>
-      </p:grpSpPr>
-      <p:sp>
-        <p:nvSpPr>
-          <p:cNvPr id="2" name="Slide Number Placeholder 1">
-            <a:extLst>
-              <a:ext uri="{FF2B5EF4-FFF2-40B4-BE49-F238E27FC236}">
-                <a16:creationId xmlns:a16="http://schemas.microsoft.com/office/drawing/2014/main" id="{42D5AD80-8B4E-007B-927D-C10C914A306C}"/>
-              </a:ext>
-            </a:extLst>
-          </p:cNvPr>
-          <p:cNvSpPr>
-            <a:spLocks noGrp="1"/>
-          </p:cNvSpPr>
-          <p:nvPr>
-            <p:ph type="sldNum" sz="quarter" idx="11"/>
-          </p:nvPr>
-        </p:nvSpPr>
-        <p:spPr/>
-        <p:txBody>
-          <a:bodyPr/>
-          <a:lstStyle/>
-          <a:p>
-            <a:fld id="{294A09A9-5501-47C1-A89A-A340965A2BE2}" type="slidenum">
-              <a:rPr lang="en-US" smtClean="0"/>
-              <a:pPr/>
-              <a:t>4</a:t>
-            </a:fld>
-            <a:endParaRPr lang="en-US" dirty="0"/>
-          </a:p>
-        </p:txBody>
-      </p:sp>
-      <p:sp>
-        <p:nvSpPr>
-          <p:cNvPr id="4" name="Title 3">
-            <a:extLst>
-              <a:ext uri="{FF2B5EF4-FFF2-40B4-BE49-F238E27FC236}">
-                <a16:creationId xmlns:a16="http://schemas.microsoft.com/office/drawing/2014/main" id="{0FA09557-AB2B-6056-7ED8-192D17EBC4C6}"/>
-              </a:ext>
-            </a:extLst>
-          </p:cNvPr>
-          <p:cNvSpPr>
-            <a:spLocks noGrp="1"/>
-          </p:cNvSpPr>
-          <p:nvPr>
-            <p:ph type="title"/>
-          </p:nvPr>
-        </p:nvSpPr>
-        <p:spPr/>
-        <p:txBody>
-          <a:bodyPr/>
-          <a:lstStyle/>
-          <a:p>
-            <a:r>
-              <a:rPr lang="en-US" dirty="0"/>
-              <a:t>Project Overview</a:t>
-            </a:r>
-          </a:p>
-        </p:txBody>
-      </p:sp>
-      <p:sp>
-        <p:nvSpPr>
-          <p:cNvPr id="5" name="Content Placeholder 4">
-            <a:extLst>
-              <a:ext uri="{FF2B5EF4-FFF2-40B4-BE49-F238E27FC236}">
-                <a16:creationId xmlns:a16="http://schemas.microsoft.com/office/drawing/2014/main" id="{4DE3FFFB-1E58-CFB7-F2D2-B0F27B9A2EBA}"/>
-              </a:ext>
-            </a:extLst>
-          </p:cNvPr>
-          <p:cNvSpPr>
-            <a:spLocks noGrp="1"/>
-          </p:cNvSpPr>
-          <p:nvPr>
-            <p:ph idx="1"/>
-          </p:nvPr>
-        </p:nvSpPr>
-        <p:spPr>
-          <a:xfrm>
-            <a:off x="1536191" y="2212848"/>
-            <a:ext cx="7590053" cy="3974888"/>
-          </a:xfrm>
-        </p:spPr>
-        <p:txBody>
-          <a:bodyPr/>
-          <a:lstStyle/>
-          <a:p>
-            <a:r>
-              <a:rPr lang="en-US" dirty="0"/>
-              <a:t>Language learning app for non-beginners</a:t>
-            </a:r>
-          </a:p>
-          <a:p>
-            <a:r>
-              <a:rPr lang="en-US" dirty="0"/>
-              <a:t>Standard unit structure</a:t>
-            </a:r>
-          </a:p>
-          <a:p>
-            <a:r>
-              <a:rPr lang="en-US" dirty="0"/>
-              <a:t>Practice forming your own thoughts/ideas</a:t>
-            </a:r>
-          </a:p>
-          <a:p>
-            <a:r>
-              <a:rPr lang="en-US" dirty="0"/>
-              <a:t>Specialized scenarios</a:t>
-            </a:r>
-          </a:p>
-          <a:p>
-            <a:r>
-              <a:rPr lang="en-US" dirty="0"/>
-              <a:t>Chatbot</a:t>
-            </a:r>
-          </a:p>
-        </p:txBody>
-      </p:sp>
-    </p:spTree>
-    <p:extLst>
-      <p:ext uri="{BB962C8B-B14F-4D97-AF65-F5344CB8AC3E}">
-        <p14:creationId xmlns:p14="http://schemas.microsoft.com/office/powerpoint/2010/main" val="958152989"/>
-      </p:ext>
-    </p:extLst>
-  </p:cSld>
-  <p:clrMapOvr>
-    <a:masterClrMapping/>
-  </p:clrMapOvr>
-</p:sld>
-</file>
-
-<file path=ppt/slides/slide5.xml><?xml version="1.0" encoding="utf-8"?>
-<p:sld xmlns:a="http://schemas.openxmlformats.org/drawingml/2006/main" xmlns:r="http://schemas.openxmlformats.org/officeDocument/2006/relationships" xmlns:p="http://schemas.openxmlformats.org/presentationml/2006/main">
-  <p:cSld>
-    <p:spTree>
-      <p:nvGrpSpPr>
-        <p:cNvPr id="1" name=""/>
-        <p:cNvGrpSpPr/>
-        <p:nvPr/>
-      </p:nvGrpSpPr>
-      <p:grpSpPr>
-        <a:xfrm>
-          <a:off x="0" y="0"/>
-          <a:ext cx="0" cy="0"/>
-          <a:chOff x="0" y="0"/>
-          <a:chExt cx="0" cy="0"/>
-        </a:xfrm>
-      </p:grpSpPr>
-      <p:sp>
-        <p:nvSpPr>
-          <p:cNvPr id="2" name="Title 1">
-            <a:extLst>
-              <a:ext uri="{FF2B5EF4-FFF2-40B4-BE49-F238E27FC236}">
-                <a16:creationId xmlns:a16="http://schemas.microsoft.com/office/drawing/2014/main" id="{797310B5-D907-A977-7A9C-69F8BEB7BB3F}"/>
-              </a:ext>
-            </a:extLst>
-          </p:cNvPr>
-          <p:cNvSpPr>
-            <a:spLocks noGrp="1"/>
-          </p:cNvSpPr>
-          <p:nvPr>
-            <p:ph type="ctrTitle"/>
-          </p:nvPr>
-        </p:nvSpPr>
-        <p:spPr/>
-        <p:txBody>
-          <a:bodyPr/>
-          <a:lstStyle/>
-          <a:p>
-            <a:r>
-              <a:rPr lang="en-US" dirty="0"/>
-              <a:t>Sprint Backlog</a:t>
-            </a:r>
-          </a:p>
-        </p:txBody>
-      </p:sp>
-      <p:sp>
-        <p:nvSpPr>
-          <p:cNvPr id="3" name="Subtitle 2">
-            <a:extLst>
-              <a:ext uri="{FF2B5EF4-FFF2-40B4-BE49-F238E27FC236}">
-                <a16:creationId xmlns:a16="http://schemas.microsoft.com/office/drawing/2014/main" id="{C05FF0B8-5B51-7376-0271-8D849CA3F8A8}"/>
-              </a:ext>
-            </a:extLst>
-          </p:cNvPr>
-          <p:cNvSpPr>
-            <a:spLocks noGrp="1"/>
-          </p:cNvSpPr>
-          <p:nvPr>
-            <p:ph type="subTitle" idx="1"/>
-          </p:nvPr>
-        </p:nvSpPr>
-        <p:spPr/>
-        <p:txBody>
-          <a:bodyPr/>
-          <a:lstStyle/>
-          <a:p>
-            <a:r>
-              <a:rPr lang="en-US" dirty="0"/>
-              <a:t>Accomplishments and challenges</a:t>
-            </a:r>
-          </a:p>
-        </p:txBody>
-      </p:sp>
-    </p:spTree>
-    <p:extLst>
-      <p:ext uri="{BB962C8B-B14F-4D97-AF65-F5344CB8AC3E}">
-        <p14:creationId xmlns:p14="http://schemas.microsoft.com/office/powerpoint/2010/main" val="548476299"/>
-      </p:ext>
-    </p:extLst>
-  </p:cSld>
-  <p:clrMapOvr>
-    <a:masterClrMapping/>
-  </p:clrMapOvr>
-</p:sld>
-</file>
-
-<file path=ppt/slides/slide6.xml><?xml version="1.0" encoding="utf-8"?>
-<p:sld xmlns:a="http://schemas.openxmlformats.org/drawingml/2006/main" xmlns:r="http://schemas.openxmlformats.org/officeDocument/2006/relationships" xmlns:p="http://schemas.openxmlformats.org/presentationml/2006/main">
-  <p:cSld>
-    <p:spTree>
-      <p:nvGrpSpPr>
-        <p:cNvPr id="1" name=""/>
-        <p:cNvGrpSpPr/>
-        <p:nvPr/>
-      </p:nvGrpSpPr>
-      <p:grpSpPr>
-        <a:xfrm>
-          <a:off x="0" y="0"/>
-          <a:ext cx="0" cy="0"/>
-          <a:chOff x="0" y="0"/>
-          <a:chExt cx="0" cy="0"/>
-        </a:xfrm>
-      </p:grpSpPr>
-      <p:sp>
-        <p:nvSpPr>
-          <p:cNvPr id="2" name="Title 1">
-            <a:extLst>
-              <a:ext uri="{FF2B5EF4-FFF2-40B4-BE49-F238E27FC236}">
-                <a16:creationId xmlns:a16="http://schemas.microsoft.com/office/drawing/2014/main" id="{189E73D4-535B-6DCC-2268-43A5E9E12C45}"/>
-              </a:ext>
-            </a:extLst>
-          </p:cNvPr>
-          <p:cNvSpPr>
-            <a:spLocks noGrp="1"/>
-          </p:cNvSpPr>
-          <p:nvPr>
-            <p:ph type="title"/>
-          </p:nvPr>
-        </p:nvSpPr>
-        <p:spPr/>
-        <p:txBody>
-          <a:bodyPr/>
-          <a:lstStyle/>
-          <a:p>
-            <a:r>
-              <a:rPr lang="en-US" dirty="0"/>
-              <a:t>Sprint Backlog</a:t>
-            </a:r>
-          </a:p>
-        </p:txBody>
-      </p:sp>
-      <p:sp>
-        <p:nvSpPr>
-          <p:cNvPr id="6" name="Slide Number Placeholder 5">
-            <a:extLst>
-              <a:ext uri="{FF2B5EF4-FFF2-40B4-BE49-F238E27FC236}">
-                <a16:creationId xmlns:a16="http://schemas.microsoft.com/office/drawing/2014/main" id="{6459FCA3-0124-0FA6-220B-D72E8F8034C8}"/>
-              </a:ext>
-            </a:extLst>
-          </p:cNvPr>
-          <p:cNvSpPr>
-            <a:spLocks noGrp="1"/>
-          </p:cNvSpPr>
-          <p:nvPr>
-            <p:ph type="sldNum" sz="quarter" idx="12"/>
-          </p:nvPr>
-        </p:nvSpPr>
-        <p:spPr/>
-        <p:txBody>
-          <a:bodyPr/>
-          <a:lstStyle/>
-          <a:p>
-            <a:fld id="{294A09A9-5501-47C1-A89A-A340965A2BE2}" type="slidenum">
-              <a:rPr lang="en-US" smtClean="0"/>
-              <a:t>6</a:t>
-            </a:fld>
-            <a:endParaRPr lang="en-US" dirty="0"/>
-          </a:p>
-        </p:txBody>
-      </p:sp>
-      <p:sp>
-        <p:nvSpPr>
-          <p:cNvPr id="23" name="Content Placeholder 2">
-            <a:extLst>
-              <a:ext uri="{FF2B5EF4-FFF2-40B4-BE49-F238E27FC236}">
-                <a16:creationId xmlns:a16="http://schemas.microsoft.com/office/drawing/2014/main" id="{FBDF2723-B9A5-40B8-2A94-9E21B8B44A7A}"/>
-              </a:ext>
-            </a:extLst>
-          </p:cNvPr>
-          <p:cNvSpPr txBox="1">
-            <a:spLocks/>
-          </p:cNvSpPr>
-          <p:nvPr/>
-        </p:nvSpPr>
-        <p:spPr>
-          <a:xfrm>
-            <a:off x="1545336" y="1713923"/>
-            <a:ext cx="6422136" cy="4321117"/>
-          </a:xfrm>
-          <a:prstGeom prst="rect">
-            <a:avLst/>
-          </a:prstGeom>
-        </p:spPr>
-        <p:txBody>
-          <a:bodyPr vert="horz" lIns="91440" tIns="45720" rIns="91440" bIns="45720" rtlCol="0" anchor="t">
-            <a:noAutofit/>
-          </a:bodyPr>
-          <a:lstStyle>
-            <a:lvl1pPr marL="0" indent="0" algn="l" defTabSz="914400" rtl="0" eaLnBrk="1" latinLnBrk="0" hangingPunct="1">
-              <a:lnSpc>
-                <a:spcPct val="90000"/>
-              </a:lnSpc>
-              <a:spcBef>
-                <a:spcPts val="1000"/>
-              </a:spcBef>
-              <a:buClr>
-                <a:schemeClr val="accent6"/>
-              </a:buClr>
-              <a:buFont typeface="Courier New" panose="02070309020205020404" pitchFamily="49" charset="0"/>
-              <a:buNone/>
-              <a:defRPr sz="2400" b="1" kern="1200">
-                <a:solidFill>
-                  <a:schemeClr val="bg1"/>
-                </a:solidFill>
-                <a:latin typeface="+mj-lt"/>
-                <a:ea typeface="+mn-ea"/>
-                <a:cs typeface="Segoe UI" panose="020B0502040204020203" pitchFamily="34" charset="0"/>
-              </a:defRPr>
-            </a:lvl1pPr>
-            <a:lvl2pPr marL="457200" indent="0" algn="l" defTabSz="914400" rtl="0" eaLnBrk="1" latinLnBrk="0" hangingPunct="1">
-              <a:lnSpc>
-                <a:spcPct val="90000"/>
-              </a:lnSpc>
-              <a:spcBef>
-                <a:spcPts val="500"/>
-              </a:spcBef>
-              <a:buClr>
-                <a:schemeClr val="accent6"/>
-              </a:buClr>
-              <a:buFont typeface="Courier New" panose="02070309020205020404" pitchFamily="49" charset="0"/>
-              <a:buNone/>
-              <a:defRPr sz="2000" b="1" kern="1200">
-                <a:solidFill>
-                  <a:schemeClr val="bg1"/>
-                </a:solidFill>
-                <a:latin typeface="+mn-lt"/>
-                <a:ea typeface="+mn-ea"/>
-                <a:cs typeface="Segoe UI" panose="020B0502040204020203" pitchFamily="34" charset="0"/>
-              </a:defRPr>
-            </a:lvl2pPr>
-            <a:lvl3pPr marL="914400" indent="0" algn="l" defTabSz="914400" rtl="0" eaLnBrk="1" latinLnBrk="0" hangingPunct="1">
-              <a:lnSpc>
-                <a:spcPct val="90000"/>
-              </a:lnSpc>
-              <a:spcBef>
-                <a:spcPts val="500"/>
-              </a:spcBef>
-              <a:buClr>
-                <a:schemeClr val="accent6"/>
-              </a:buClr>
-              <a:buFont typeface="Courier New" panose="02070309020205020404" pitchFamily="49" charset="0"/>
-              <a:buNone/>
-              <a:defRPr sz="1800" b="1" kern="1200">
-                <a:solidFill>
-                  <a:schemeClr val="bg1"/>
-                </a:solidFill>
-                <a:latin typeface="+mn-lt"/>
-                <a:ea typeface="+mn-ea"/>
-                <a:cs typeface="Segoe UI" panose="020B0502040204020203" pitchFamily="34" charset="0"/>
-              </a:defRPr>
-            </a:lvl3pPr>
-            <a:lvl4pPr marL="1371600" indent="0" algn="l" defTabSz="914400" rtl="0" eaLnBrk="1" latinLnBrk="0" hangingPunct="1">
-              <a:lnSpc>
-                <a:spcPct val="90000"/>
-              </a:lnSpc>
-              <a:spcBef>
-                <a:spcPts val="500"/>
-              </a:spcBef>
-              <a:buClr>
-                <a:schemeClr val="accent6"/>
-              </a:buClr>
-              <a:buFont typeface="Courier New" panose="02070309020205020404" pitchFamily="49" charset="0"/>
-              <a:buNone/>
-              <a:defRPr sz="1600" b="1" kern="1200">
-                <a:solidFill>
-                  <a:schemeClr val="bg1"/>
-                </a:solidFill>
-                <a:latin typeface="+mn-lt"/>
-                <a:ea typeface="+mn-ea"/>
-                <a:cs typeface="Segoe UI" panose="020B0502040204020203" pitchFamily="34" charset="0"/>
-              </a:defRPr>
-            </a:lvl4pPr>
-            <a:lvl5pPr marL="1828800" indent="0" algn="l" defTabSz="914400" rtl="0" eaLnBrk="1" latinLnBrk="0" hangingPunct="1">
-              <a:lnSpc>
-                <a:spcPct val="90000"/>
-              </a:lnSpc>
-              <a:spcBef>
-                <a:spcPts val="500"/>
-              </a:spcBef>
-              <a:buClr>
-                <a:schemeClr val="accent6"/>
-              </a:buClr>
-              <a:buFont typeface="Courier New" panose="02070309020205020404" pitchFamily="49" charset="0"/>
-              <a:buNone/>
-              <a:defRPr sz="1600" b="1" kern="1200">
-                <a:solidFill>
-                  <a:schemeClr val="bg1"/>
-                </a:solidFill>
-                <a:latin typeface="+mn-lt"/>
-                <a:ea typeface="+mn-ea"/>
-                <a:cs typeface="Segoe UI" panose="020B0502040204020203" pitchFamily="34" charset="0"/>
-              </a:defRPr>
-            </a:lvl5pPr>
-            <a:lvl6pPr marL="2286000" indent="0" algn="l" defTabSz="914400" rtl="0" eaLnBrk="1" latinLnBrk="0" hangingPunct="1">
-              <a:lnSpc>
-                <a:spcPct val="90000"/>
-              </a:lnSpc>
-              <a:spcBef>
-                <a:spcPts val="500"/>
-              </a:spcBef>
-              <a:buFont typeface="Arial" panose="020B0604020202020204" pitchFamily="34" charset="0"/>
-              <a:buNone/>
-              <a:defRPr sz="1600" b="1" kern="1200">
-                <a:solidFill>
-                  <a:schemeClr val="tx1"/>
-                </a:solidFill>
-                <a:latin typeface="+mn-lt"/>
-                <a:ea typeface="+mn-ea"/>
-                <a:cs typeface="+mn-cs"/>
-              </a:defRPr>
-            </a:lvl6pPr>
-            <a:lvl7pPr marL="2743200" indent="0" algn="l" defTabSz="914400" rtl="0" eaLnBrk="1" latinLnBrk="0" hangingPunct="1">
-              <a:lnSpc>
-                <a:spcPct val="90000"/>
-              </a:lnSpc>
-              <a:spcBef>
-                <a:spcPts val="500"/>
-              </a:spcBef>
-              <a:buFont typeface="Arial" panose="020B0604020202020204" pitchFamily="34" charset="0"/>
-              <a:buNone/>
-              <a:defRPr sz="1600" b="1" kern="1200">
-                <a:solidFill>
-                  <a:schemeClr val="tx1"/>
-                </a:solidFill>
-                <a:latin typeface="+mn-lt"/>
-                <a:ea typeface="+mn-ea"/>
-                <a:cs typeface="+mn-cs"/>
-              </a:defRPr>
-            </a:lvl7pPr>
-            <a:lvl8pPr marL="3200400" indent="0" algn="l" defTabSz="914400" rtl="0" eaLnBrk="1" latinLnBrk="0" hangingPunct="1">
-              <a:lnSpc>
-                <a:spcPct val="90000"/>
-              </a:lnSpc>
-              <a:spcBef>
-                <a:spcPts val="500"/>
-              </a:spcBef>
-              <a:buFont typeface="Arial" panose="020B0604020202020204" pitchFamily="34" charset="0"/>
-              <a:buNone/>
-              <a:defRPr sz="1600" b="1" kern="1200">
-                <a:solidFill>
-                  <a:schemeClr val="tx1"/>
-                </a:solidFill>
-                <a:latin typeface="+mn-lt"/>
-                <a:ea typeface="+mn-ea"/>
-                <a:cs typeface="+mn-cs"/>
-              </a:defRPr>
-            </a:lvl8pPr>
-            <a:lvl9pPr marL="3657600" indent="0" algn="l" defTabSz="914400" rtl="0" eaLnBrk="1" latinLnBrk="0" hangingPunct="1">
-              <a:lnSpc>
-                <a:spcPct val="90000"/>
-              </a:lnSpc>
-              <a:spcBef>
-                <a:spcPts val="500"/>
-              </a:spcBef>
-              <a:buFont typeface="Arial" panose="020B0604020202020204" pitchFamily="34" charset="0"/>
-              <a:buNone/>
-              <a:defRPr sz="1600" b="1" kern="1200">
-                <a:solidFill>
-                  <a:schemeClr val="tx1"/>
-                </a:solidFill>
-                <a:latin typeface="+mn-lt"/>
-                <a:ea typeface="+mn-ea"/>
-                <a:cs typeface="+mn-cs"/>
-              </a:defRPr>
-            </a:lvl9pPr>
-          </a:lstStyle>
-          <a:p>
-            <a:pPr marL="342900" indent="-342900">
-              <a:lnSpc>
-                <a:spcPct val="150000"/>
-              </a:lnSpc>
-              <a:buFont typeface="Courier New" panose="02070309020205020404" pitchFamily="49" charset="0"/>
-              <a:buChar char="o"/>
-            </a:pPr>
-            <a:r>
-              <a:rPr lang="en-US" dirty="0">
-                <a:latin typeface="Segoe UI Light" panose="020B0502040204020203" pitchFamily="34" charset="0"/>
-                <a:cs typeface="Segoe UI Light" panose="020B0502040204020203" pitchFamily="34" charset="0"/>
-              </a:rPr>
-              <a:t>Accomplishments</a:t>
-            </a:r>
-          </a:p>
-          <a:p>
-            <a:pPr marL="800100" lvl="1" indent="-342900">
-              <a:lnSpc>
-                <a:spcPct val="150000"/>
-              </a:lnSpc>
-              <a:buFont typeface="Courier New" panose="02070309020205020404" pitchFamily="49" charset="0"/>
-              <a:buChar char="o"/>
-            </a:pPr>
-            <a:r>
-              <a:rPr lang="en-US" dirty="0">
-                <a:latin typeface="Segoe UI Light" panose="020B0502040204020203" pitchFamily="34" charset="0"/>
-                <a:cs typeface="Segoe UI Light" panose="020B0502040204020203" pitchFamily="34" charset="0"/>
-              </a:rPr>
-              <a:t>Polished website framework</a:t>
-            </a:r>
-          </a:p>
-          <a:p>
-            <a:pPr marL="800100" lvl="1" indent="-342900">
-              <a:lnSpc>
-                <a:spcPct val="150000"/>
-              </a:lnSpc>
-              <a:buFont typeface="Courier New" panose="02070309020205020404" pitchFamily="49" charset="0"/>
-              <a:buChar char="o"/>
-            </a:pPr>
-            <a:r>
-              <a:rPr lang="en-US" dirty="0">
-                <a:latin typeface="Segoe UI Light" panose="020B0502040204020203" pitchFamily="34" charset="0"/>
-                <a:cs typeface="Segoe UI Light" panose="020B0502040204020203" pitchFamily="34" charset="0"/>
-              </a:rPr>
-              <a:t>Added robust chatbot and formatting</a:t>
-            </a:r>
-          </a:p>
-          <a:p>
-            <a:pPr marL="800100" lvl="1" indent="-342900">
-              <a:lnSpc>
-                <a:spcPct val="150000"/>
-              </a:lnSpc>
-              <a:buFont typeface="Courier New" panose="02070309020205020404" pitchFamily="49" charset="0"/>
-              <a:buChar char="o"/>
-            </a:pPr>
-            <a:r>
-              <a:rPr lang="en-US" dirty="0">
-                <a:latin typeface="Segoe UI Light" panose="020B0502040204020203" pitchFamily="34" charset="0"/>
-                <a:cs typeface="Segoe UI Light" panose="020B0502040204020203" pitchFamily="34" charset="0"/>
-              </a:rPr>
-              <a:t>Finished populating unit content</a:t>
-            </a:r>
-          </a:p>
-          <a:p>
-            <a:pPr marL="800100" lvl="1" indent="-342900">
-              <a:lnSpc>
-                <a:spcPct val="150000"/>
-              </a:lnSpc>
-              <a:buFont typeface="Courier New" panose="02070309020205020404" pitchFamily="49" charset="0"/>
-              <a:buChar char="o"/>
-            </a:pPr>
-            <a:r>
-              <a:rPr lang="en-US" dirty="0">
-                <a:latin typeface="Segoe UI Light" panose="020B0502040204020203" pitchFamily="34" charset="0"/>
-                <a:cs typeface="Segoe UI Light" panose="020B0502040204020203" pitchFamily="34" charset="0"/>
-              </a:rPr>
-              <a:t>Grading implemented</a:t>
-            </a:r>
-          </a:p>
-          <a:p>
-            <a:pPr marL="342900" indent="-342900">
-              <a:lnSpc>
-                <a:spcPct val="150000"/>
-              </a:lnSpc>
-              <a:buFont typeface="Courier New" panose="02070309020205020404" pitchFamily="49" charset="0"/>
-              <a:buChar char="o"/>
-            </a:pPr>
-            <a:r>
-              <a:rPr lang="en-US" dirty="0">
-                <a:latin typeface="Segoe UI Light" panose="020B0502040204020203" pitchFamily="34" charset="0"/>
-                <a:cs typeface="Segoe UI Light" panose="020B0502040204020203" pitchFamily="34" charset="0"/>
-              </a:rPr>
-              <a:t>Challenges</a:t>
-            </a:r>
-          </a:p>
-          <a:p>
-            <a:pPr marL="800100" lvl="1" indent="-342900">
-              <a:lnSpc>
-                <a:spcPct val="150000"/>
-              </a:lnSpc>
-              <a:buFont typeface="Courier New" panose="02070309020205020404" pitchFamily="49" charset="0"/>
-              <a:buChar char="o"/>
-            </a:pPr>
-            <a:r>
-              <a:rPr lang="en-US" dirty="0">
-                <a:latin typeface="Segoe UI Light" panose="020B0502040204020203" pitchFamily="34" charset="0"/>
-                <a:cs typeface="Segoe UI Light" panose="020B0502040204020203" pitchFamily="34" charset="0"/>
-              </a:rPr>
-              <a:t>Bootstrap tooltips. Still hate them</a:t>
-            </a:r>
-          </a:p>
-          <a:p>
-            <a:pPr marL="800100" lvl="1" indent="-342900">
-              <a:lnSpc>
-                <a:spcPct val="150000"/>
-              </a:lnSpc>
-              <a:buFont typeface="Courier New" panose="02070309020205020404" pitchFamily="49" charset="0"/>
-              <a:buChar char="o"/>
-            </a:pPr>
-            <a:r>
-              <a:rPr lang="en-US" dirty="0">
-                <a:latin typeface="Segoe UI Light" panose="020B0502040204020203" pitchFamily="34" charset="0"/>
-                <a:cs typeface="Segoe UI Light" panose="020B0502040204020203" pitchFamily="34" charset="0"/>
-              </a:rPr>
-              <a:t>Verifying the API key many times</a:t>
-            </a:r>
-          </a:p>
-        </p:txBody>
-      </p:sp>
-    </p:spTree>
-    <p:extLst>
-      <p:ext uri="{BB962C8B-B14F-4D97-AF65-F5344CB8AC3E}">
-        <p14:creationId xmlns:p14="http://schemas.microsoft.com/office/powerpoint/2010/main" val="1877080978"/>
       </p:ext>
     </p:extLst>
   </p:cSld>
@@ -19158,7 +18850,7 @@
           <p:cNvPr id="2" name="Title 1">
             <a:extLst>
               <a:ext uri="{FF2B5EF4-FFF2-40B4-BE49-F238E27FC236}">
-                <a16:creationId xmlns:a16="http://schemas.microsoft.com/office/drawing/2014/main" id="{48C5BC92-868A-26B2-CBC0-C9D94E65F1A4}"/>
+                <a16:creationId xmlns:a16="http://schemas.microsoft.com/office/drawing/2014/main" id="{189E73D4-535B-6DCC-2268-43A5E9E12C45}"/>
               </a:ext>
             </a:extLst>
           </p:cNvPr>
@@ -19166,7 +18858,7 @@
             <a:spLocks noGrp="1"/>
           </p:cNvSpPr>
           <p:nvPr>
-            <p:ph type="ctrTitle"/>
+            <p:ph type="title"/>
           </p:nvPr>
         </p:nvSpPr>
         <p:spPr/>
@@ -19175,30 +18867,18 @@
           <a:lstStyle/>
           <a:p>
             <a:r>
-              <a:rPr lang="en-US" sz="4000" b="1" spc="600" dirty="0">
-                <a:ln w="28575">
-                  <a:noFill/>
-                  <a:prstDash val="solid"/>
-                </a:ln>
-                <a:solidFill>
-                  <a:schemeClr val="bg1"/>
-                </a:solidFill>
-                <a:latin typeface="Tw Cen MT" panose="020B0602020104020603" pitchFamily="34" charset="77"/>
-                <a:ea typeface="Verdana" panose="020B0604030504040204" pitchFamily="34" charset="0"/>
-                <a:cs typeface="Verdana" panose="020B0604030504040204" pitchFamily="34" charset="0"/>
-              </a:rPr>
-              <a:t>Website Demo</a:t>
-            </a:r>
-            <a:endParaRPr lang="en-US" dirty="0"/>
-          </a:p>
-        </p:txBody>
-      </p:sp>
-      <p:sp>
-        <p:nvSpPr>
-          <p:cNvPr id="3" name="Subtitle 2">
-            <a:extLst>
-              <a:ext uri="{FF2B5EF4-FFF2-40B4-BE49-F238E27FC236}">
-                <a16:creationId xmlns:a16="http://schemas.microsoft.com/office/drawing/2014/main" id="{6F9C1627-7A56-025E-482D-E2AB014EDF92}"/>
+              <a:rPr lang="en-US" dirty="0"/>
+              <a:t>Sprint Backlog</a:t>
+            </a:r>
+          </a:p>
+        </p:txBody>
+      </p:sp>
+      <p:sp>
+        <p:nvSpPr>
+          <p:cNvPr id="6" name="Slide Number Placeholder 5">
+            <a:extLst>
+              <a:ext uri="{FF2B5EF4-FFF2-40B4-BE49-F238E27FC236}">
+                <a16:creationId xmlns:a16="http://schemas.microsoft.com/office/drawing/2014/main" id="{6459FCA3-0124-0FA6-220B-D72E8F8034C8}"/>
               </a:ext>
             </a:extLst>
           </p:cNvPr>
@@ -19206,7 +18886,7 @@
             <a:spLocks noGrp="1"/>
           </p:cNvSpPr>
           <p:nvPr>
-            <p:ph type="subTitle" idx="1"/>
+            <p:ph type="sldNum" sz="quarter" idx="12"/>
           </p:nvPr>
         </p:nvSpPr>
         <p:spPr/>
@@ -19214,9 +18894,282 @@
           <a:bodyPr/>
           <a:lstStyle/>
           <a:p>
-            <a:r>
-              <a:rPr lang="en-US" dirty="0"/>
-              <a:t>Work to date</a:t>
+            <a:fld id="{294A09A9-5501-47C1-A89A-A340965A2BE2}" type="slidenum">
+              <a:rPr lang="en-US" smtClean="0"/>
+              <a:t>7</a:t>
+            </a:fld>
+            <a:endParaRPr lang="en-US" dirty="0"/>
+          </a:p>
+        </p:txBody>
+      </p:sp>
+      <p:sp>
+        <p:nvSpPr>
+          <p:cNvPr id="23" name="Content Placeholder 2">
+            <a:extLst>
+              <a:ext uri="{FF2B5EF4-FFF2-40B4-BE49-F238E27FC236}">
+                <a16:creationId xmlns:a16="http://schemas.microsoft.com/office/drawing/2014/main" id="{FBDF2723-B9A5-40B8-2A94-9E21B8B44A7A}"/>
+              </a:ext>
+            </a:extLst>
+          </p:cNvPr>
+          <p:cNvSpPr txBox="1">
+            <a:spLocks/>
+          </p:cNvSpPr>
+          <p:nvPr/>
+        </p:nvSpPr>
+        <p:spPr>
+          <a:xfrm>
+            <a:off x="1545336" y="1892808"/>
+            <a:ext cx="9036847" cy="4029929"/>
+          </a:xfrm>
+          <a:prstGeom prst="rect">
+            <a:avLst/>
+          </a:prstGeom>
+        </p:spPr>
+        <p:txBody>
+          <a:bodyPr vert="horz" lIns="91440" tIns="45720" rIns="91440" bIns="45720" rtlCol="0" anchor="t">
+            <a:noAutofit/>
+          </a:bodyPr>
+          <a:lstStyle>
+            <a:lvl1pPr marL="0" indent="0" algn="l" defTabSz="914400" rtl="0" eaLnBrk="1" latinLnBrk="0" hangingPunct="1">
+              <a:lnSpc>
+                <a:spcPct val="90000"/>
+              </a:lnSpc>
+              <a:spcBef>
+                <a:spcPts val="1000"/>
+              </a:spcBef>
+              <a:buClr>
+                <a:schemeClr val="accent6"/>
+              </a:buClr>
+              <a:buFont typeface="Courier New" panose="02070309020205020404" pitchFamily="49" charset="0"/>
+              <a:buNone/>
+              <a:defRPr sz="2400" b="1" kern="1200">
+                <a:solidFill>
+                  <a:schemeClr val="bg1"/>
+                </a:solidFill>
+                <a:latin typeface="+mj-lt"/>
+                <a:ea typeface="+mn-ea"/>
+                <a:cs typeface="Segoe UI" panose="020B0502040204020203" pitchFamily="34" charset="0"/>
+              </a:defRPr>
+            </a:lvl1pPr>
+            <a:lvl2pPr marL="457200" indent="0" algn="l" defTabSz="914400" rtl="0" eaLnBrk="1" latinLnBrk="0" hangingPunct="1">
+              <a:lnSpc>
+                <a:spcPct val="90000"/>
+              </a:lnSpc>
+              <a:spcBef>
+                <a:spcPts val="500"/>
+              </a:spcBef>
+              <a:buClr>
+                <a:schemeClr val="accent6"/>
+              </a:buClr>
+              <a:buFont typeface="Courier New" panose="02070309020205020404" pitchFamily="49" charset="0"/>
+              <a:buNone/>
+              <a:defRPr sz="2000" b="1" kern="1200">
+                <a:solidFill>
+                  <a:schemeClr val="bg1"/>
+                </a:solidFill>
+                <a:latin typeface="+mn-lt"/>
+                <a:ea typeface="+mn-ea"/>
+                <a:cs typeface="Segoe UI" panose="020B0502040204020203" pitchFamily="34" charset="0"/>
+              </a:defRPr>
+            </a:lvl2pPr>
+            <a:lvl3pPr marL="914400" indent="0" algn="l" defTabSz="914400" rtl="0" eaLnBrk="1" latinLnBrk="0" hangingPunct="1">
+              <a:lnSpc>
+                <a:spcPct val="90000"/>
+              </a:lnSpc>
+              <a:spcBef>
+                <a:spcPts val="500"/>
+              </a:spcBef>
+              <a:buClr>
+                <a:schemeClr val="accent6"/>
+              </a:buClr>
+              <a:buFont typeface="Courier New" panose="02070309020205020404" pitchFamily="49" charset="0"/>
+              <a:buNone/>
+              <a:defRPr sz="1800" b="1" kern="1200">
+                <a:solidFill>
+                  <a:schemeClr val="bg1"/>
+                </a:solidFill>
+                <a:latin typeface="+mn-lt"/>
+                <a:ea typeface="+mn-ea"/>
+                <a:cs typeface="Segoe UI" panose="020B0502040204020203" pitchFamily="34" charset="0"/>
+              </a:defRPr>
+            </a:lvl3pPr>
+            <a:lvl4pPr marL="1371600" indent="0" algn="l" defTabSz="914400" rtl="0" eaLnBrk="1" latinLnBrk="0" hangingPunct="1">
+              <a:lnSpc>
+                <a:spcPct val="90000"/>
+              </a:lnSpc>
+              <a:spcBef>
+                <a:spcPts val="500"/>
+              </a:spcBef>
+              <a:buClr>
+                <a:schemeClr val="accent6"/>
+              </a:buClr>
+              <a:buFont typeface="Courier New" panose="02070309020205020404" pitchFamily="49" charset="0"/>
+              <a:buNone/>
+              <a:defRPr sz="1600" b="1" kern="1200">
+                <a:solidFill>
+                  <a:schemeClr val="bg1"/>
+                </a:solidFill>
+                <a:latin typeface="+mn-lt"/>
+                <a:ea typeface="+mn-ea"/>
+                <a:cs typeface="Segoe UI" panose="020B0502040204020203" pitchFamily="34" charset="0"/>
+              </a:defRPr>
+            </a:lvl4pPr>
+            <a:lvl5pPr marL="1828800" indent="0" algn="l" defTabSz="914400" rtl="0" eaLnBrk="1" latinLnBrk="0" hangingPunct="1">
+              <a:lnSpc>
+                <a:spcPct val="90000"/>
+              </a:lnSpc>
+              <a:spcBef>
+                <a:spcPts val="500"/>
+              </a:spcBef>
+              <a:buClr>
+                <a:schemeClr val="accent6"/>
+              </a:buClr>
+              <a:buFont typeface="Courier New" panose="02070309020205020404" pitchFamily="49" charset="0"/>
+              <a:buNone/>
+              <a:defRPr sz="1600" b="1" kern="1200">
+                <a:solidFill>
+                  <a:schemeClr val="bg1"/>
+                </a:solidFill>
+                <a:latin typeface="+mn-lt"/>
+                <a:ea typeface="+mn-ea"/>
+                <a:cs typeface="Segoe UI" panose="020B0502040204020203" pitchFamily="34" charset="0"/>
+              </a:defRPr>
+            </a:lvl5pPr>
+            <a:lvl6pPr marL="2286000" indent="0" algn="l" defTabSz="914400" rtl="0" eaLnBrk="1" latinLnBrk="0" hangingPunct="1">
+              <a:lnSpc>
+                <a:spcPct val="90000"/>
+              </a:lnSpc>
+              <a:spcBef>
+                <a:spcPts val="500"/>
+              </a:spcBef>
+              <a:buFont typeface="Arial" panose="020B0604020202020204" pitchFamily="34" charset="0"/>
+              <a:buNone/>
+              <a:defRPr sz="1600" b="1" kern="1200">
+                <a:solidFill>
+                  <a:schemeClr val="tx1"/>
+                </a:solidFill>
+                <a:latin typeface="+mn-lt"/>
+                <a:ea typeface="+mn-ea"/>
+                <a:cs typeface="+mn-cs"/>
+              </a:defRPr>
+            </a:lvl6pPr>
+            <a:lvl7pPr marL="2743200" indent="0" algn="l" defTabSz="914400" rtl="0" eaLnBrk="1" latinLnBrk="0" hangingPunct="1">
+              <a:lnSpc>
+                <a:spcPct val="90000"/>
+              </a:lnSpc>
+              <a:spcBef>
+                <a:spcPts val="500"/>
+              </a:spcBef>
+              <a:buFont typeface="Arial" panose="020B0604020202020204" pitchFamily="34" charset="0"/>
+              <a:buNone/>
+              <a:defRPr sz="1600" b="1" kern="1200">
+                <a:solidFill>
+                  <a:schemeClr val="tx1"/>
+                </a:solidFill>
+                <a:latin typeface="+mn-lt"/>
+                <a:ea typeface="+mn-ea"/>
+                <a:cs typeface="+mn-cs"/>
+              </a:defRPr>
+            </a:lvl7pPr>
+            <a:lvl8pPr marL="3200400" indent="0" algn="l" defTabSz="914400" rtl="0" eaLnBrk="1" latinLnBrk="0" hangingPunct="1">
+              <a:lnSpc>
+                <a:spcPct val="90000"/>
+              </a:lnSpc>
+              <a:spcBef>
+                <a:spcPts val="500"/>
+              </a:spcBef>
+              <a:buFont typeface="Arial" panose="020B0604020202020204" pitchFamily="34" charset="0"/>
+              <a:buNone/>
+              <a:defRPr sz="1600" b="1" kern="1200">
+                <a:solidFill>
+                  <a:schemeClr val="tx1"/>
+                </a:solidFill>
+                <a:latin typeface="+mn-lt"/>
+                <a:ea typeface="+mn-ea"/>
+                <a:cs typeface="+mn-cs"/>
+              </a:defRPr>
+            </a:lvl8pPr>
+            <a:lvl9pPr marL="3657600" indent="0" algn="l" defTabSz="914400" rtl="0" eaLnBrk="1" latinLnBrk="0" hangingPunct="1">
+              <a:lnSpc>
+                <a:spcPct val="90000"/>
+              </a:lnSpc>
+              <a:spcBef>
+                <a:spcPts val="500"/>
+              </a:spcBef>
+              <a:buFont typeface="Arial" panose="020B0604020202020204" pitchFamily="34" charset="0"/>
+              <a:buNone/>
+              <a:defRPr sz="1600" b="1" kern="1200">
+                <a:solidFill>
+                  <a:schemeClr val="tx1"/>
+                </a:solidFill>
+                <a:latin typeface="+mn-lt"/>
+                <a:ea typeface="+mn-ea"/>
+                <a:cs typeface="+mn-cs"/>
+              </a:defRPr>
+            </a:lvl9pPr>
+          </a:lstStyle>
+          <a:p>
+            <a:pPr marL="342900" indent="-342900">
+              <a:lnSpc>
+                <a:spcPct val="150000"/>
+              </a:lnSpc>
+              <a:buFont typeface="Courier New" panose="02070309020205020404" pitchFamily="49" charset="0"/>
+              <a:buChar char="o"/>
+            </a:pPr>
+            <a:r>
+              <a:rPr lang="en-US" dirty="0">
+                <a:latin typeface="Segoe UI Light" panose="020B0502040204020203" pitchFamily="34" charset="0"/>
+                <a:cs typeface="Segoe UI Light" panose="020B0502040204020203" pitchFamily="34" charset="0"/>
+              </a:rPr>
+              <a:t>Challenges</a:t>
+            </a:r>
+          </a:p>
+          <a:p>
+            <a:pPr marL="800100" lvl="1" indent="-342900">
+              <a:lnSpc>
+                <a:spcPct val="150000"/>
+              </a:lnSpc>
+              <a:buFont typeface="Courier New" panose="02070309020205020404" pitchFamily="49" charset="0"/>
+              <a:buChar char="o"/>
+            </a:pPr>
+            <a:r>
+              <a:rPr lang="en-US" dirty="0">
+                <a:latin typeface="Segoe UI Light" panose="020B0502040204020203" pitchFamily="34" charset="0"/>
+                <a:cs typeface="Segoe UI Light" panose="020B0502040204020203" pitchFamily="34" charset="0"/>
+              </a:rPr>
+              <a:t>Communication issues from post-graduation plan semantics</a:t>
+            </a:r>
+          </a:p>
+          <a:p>
+            <a:pPr marL="800100" lvl="1" indent="-342900">
+              <a:lnSpc>
+                <a:spcPct val="150000"/>
+              </a:lnSpc>
+              <a:buFont typeface="Courier New" panose="02070309020205020404" pitchFamily="49" charset="0"/>
+              <a:buChar char="o"/>
+            </a:pPr>
+            <a:r>
+              <a:rPr lang="en-US" dirty="0">
+                <a:latin typeface="Segoe UI Light" panose="020B0502040204020203" pitchFamily="34" charset="0"/>
+                <a:cs typeface="Segoe UI Light" panose="020B0502040204020203" pitchFamily="34" charset="0"/>
+              </a:rPr>
+              <a:t>Inconsistent GPT responses</a:t>
+            </a:r>
+          </a:p>
+          <a:p>
+            <a:pPr marL="800100" lvl="1" indent="-342900">
+              <a:lnSpc>
+                <a:spcPct val="150000"/>
+              </a:lnSpc>
+              <a:buFont typeface="Courier New" panose="02070309020205020404" pitchFamily="49" charset="0"/>
+              <a:buChar char="o"/>
+            </a:pPr>
+            <a:r>
+              <a:rPr lang="en-US" dirty="0">
+                <a:latin typeface="Segoe UI Light" panose="020B0502040204020203" pitchFamily="34" charset="0"/>
+                <a:cs typeface="Segoe UI Light" panose="020B0502040204020203" pitchFamily="34" charset="0"/>
+              </a:rPr>
+              <a:t>Accommodating client requests before sprint deadline</a:t>
             </a:r>
           </a:p>
         </p:txBody>
@@ -19224,7 +19177,7 @@
     </p:spTree>
     <p:extLst>
       <p:ext uri="{BB962C8B-B14F-4D97-AF65-F5344CB8AC3E}">
-        <p14:creationId xmlns:p14="http://schemas.microsoft.com/office/powerpoint/2010/main" val="1958759625"/>
+        <p14:creationId xmlns:p14="http://schemas.microsoft.com/office/powerpoint/2010/main" val="1877080978"/>
       </p:ext>
     </p:extLst>
   </p:cSld>
@@ -19253,10 +19206,10 @@
       </p:grpSpPr>
       <p:sp>
         <p:nvSpPr>
-          <p:cNvPr id="8" name="Slide Number Placeholder 7">
-            <a:extLst>
-              <a:ext uri="{FF2B5EF4-FFF2-40B4-BE49-F238E27FC236}">
-                <a16:creationId xmlns:a16="http://schemas.microsoft.com/office/drawing/2014/main" id="{85577A64-4E94-69E1-3180-1E014BD06B3C}"/>
+          <p:cNvPr id="2" name="Title 1">
+            <a:extLst>
+              <a:ext uri="{FF2B5EF4-FFF2-40B4-BE49-F238E27FC236}">
+                <a16:creationId xmlns:a16="http://schemas.microsoft.com/office/drawing/2014/main" id="{48C5BC92-868A-26B2-CBC0-C9D94E65F1A4}"/>
               </a:ext>
             </a:extLst>
           </p:cNvPr>
@@ -19264,7 +19217,7 @@
             <a:spLocks noGrp="1"/>
           </p:cNvSpPr>
           <p:nvPr>
-            <p:ph type="sldNum" sz="quarter" idx="12"/>
+            <p:ph type="ctrTitle"/>
           </p:nvPr>
         </p:nvSpPr>
         <p:spPr/>
@@ -19272,18 +19225,57 @@
           <a:bodyPr/>
           <a:lstStyle/>
           <a:p>
-            <a:fld id="{294A09A9-5501-47C1-A89A-A340965A2BE2}" type="slidenum">
-              <a:rPr lang="en-US" smtClean="0"/>
-              <a:t>8</a:t>
-            </a:fld>
+            <a:r>
+              <a:rPr lang="en-US" sz="4000" b="1" spc="600" dirty="0">
+                <a:ln w="28575">
+                  <a:noFill/>
+                  <a:prstDash val="solid"/>
+                </a:ln>
+                <a:solidFill>
+                  <a:schemeClr val="bg1"/>
+                </a:solidFill>
+                <a:latin typeface="Tw Cen MT" panose="020B0602020104020603" pitchFamily="34" charset="77"/>
+                <a:ea typeface="Verdana" panose="020B0604030504040204" pitchFamily="34" charset="0"/>
+                <a:cs typeface="Verdana" panose="020B0604030504040204" pitchFamily="34" charset="0"/>
+              </a:rPr>
+              <a:t>Website Demo</a:t>
+            </a:r>
             <a:endParaRPr lang="en-US" dirty="0"/>
+          </a:p>
+        </p:txBody>
+      </p:sp>
+      <p:sp>
+        <p:nvSpPr>
+          <p:cNvPr id="3" name="Subtitle 2">
+            <a:extLst>
+              <a:ext uri="{FF2B5EF4-FFF2-40B4-BE49-F238E27FC236}">
+                <a16:creationId xmlns:a16="http://schemas.microsoft.com/office/drawing/2014/main" id="{6F9C1627-7A56-025E-482D-E2AB014EDF92}"/>
+              </a:ext>
+            </a:extLst>
+          </p:cNvPr>
+          <p:cNvSpPr>
+            <a:spLocks noGrp="1"/>
+          </p:cNvSpPr>
+          <p:nvPr>
+            <p:ph type="subTitle" idx="1"/>
+          </p:nvPr>
+        </p:nvSpPr>
+        <p:spPr/>
+        <p:txBody>
+          <a:bodyPr/>
+          <a:lstStyle/>
+          <a:p>
+            <a:r>
+              <a:rPr lang="en-US" dirty="0"/>
+              <a:t>Work to date</a:t>
+            </a:r>
           </a:p>
         </p:txBody>
       </p:sp>
     </p:spTree>
     <p:extLst>
       <p:ext uri="{BB962C8B-B14F-4D97-AF65-F5344CB8AC3E}">
-        <p14:creationId xmlns:p14="http://schemas.microsoft.com/office/powerpoint/2010/main" val="765210901"/>
+        <p14:creationId xmlns:p14="http://schemas.microsoft.com/office/powerpoint/2010/main" val="1958759625"/>
       </p:ext>
     </p:extLst>
   </p:cSld>
@@ -19315,7 +19307,7 @@
           <p:cNvPr id="2" name="Title 1">
             <a:extLst>
               <a:ext uri="{FF2B5EF4-FFF2-40B4-BE49-F238E27FC236}">
-                <a16:creationId xmlns:a16="http://schemas.microsoft.com/office/drawing/2014/main" id="{F41F0E99-07CC-9576-AFD7-C52151AD0EA3}"/>
+                <a16:creationId xmlns:a16="http://schemas.microsoft.com/office/drawing/2014/main" id="{636BE557-F4A8-6590-5E9B-92EA98661884}"/>
               </a:ext>
             </a:extLst>
           </p:cNvPr>
@@ -19333,7 +19325,7 @@
           <a:p>
             <a:r>
               <a:rPr lang="en-US" dirty="0"/>
-              <a:t>Conversations</a:t>
+              <a:t>One last ride</a:t>
             </a:r>
           </a:p>
         </p:txBody>
@@ -19343,7 +19335,7 @@
           <p:cNvPr id="3" name="Subtitle 2">
             <a:extLst>
               <a:ext uri="{FF2B5EF4-FFF2-40B4-BE49-F238E27FC236}">
-                <a16:creationId xmlns:a16="http://schemas.microsoft.com/office/drawing/2014/main" id="{5A82A8B0-333F-633E-3FA7-D38DBFB10971}"/>
+                <a16:creationId xmlns:a16="http://schemas.microsoft.com/office/drawing/2014/main" id="{B0249A60-C73B-D0FB-E131-FFA51B227F0A}"/>
               </a:ext>
             </a:extLst>
           </p:cNvPr>
@@ -19361,15 +19353,20 @@
           <a:p>
             <a:r>
               <a:rPr lang="en-US" dirty="0"/>
-              <a:t>What’s changed?</a:t>
-            </a:r>
+              <a:t>Future directions for </a:t>
+            </a:r>
+            <a:r>
+              <a:rPr lang="en-US" dirty="0" err="1"/>
+              <a:t>FluencyForge</a:t>
+            </a:r>
+            <a:endParaRPr lang="en-US" dirty="0"/>
           </a:p>
         </p:txBody>
       </p:sp>
     </p:spTree>
     <p:extLst>
       <p:ext uri="{BB962C8B-B14F-4D97-AF65-F5344CB8AC3E}">
-        <p14:creationId xmlns:p14="http://schemas.microsoft.com/office/powerpoint/2010/main" val="1212507113"/>
+        <p14:creationId xmlns:p14="http://schemas.microsoft.com/office/powerpoint/2010/main" val="3306326381"/>
       </p:ext>
     </p:extLst>
   </p:cSld>
@@ -19876,26 +19873,6 @@
 </file>
 
 <file path=customXml/item1.xml><?xml version="1.0" encoding="utf-8"?>
-<p:properties xmlns:p="http://schemas.microsoft.com/office/2006/metadata/properties" xmlns:xsi="http://www.w3.org/2001/XMLSchema-instance" xmlns:pc="http://schemas.microsoft.com/office/infopath/2007/PartnerControls">
-  <documentManagement>
-    <_ip_UnifiedCompliancePolicyUIAction xmlns="http://schemas.microsoft.com/sharepoint/v3" xsi:nil="true"/>
-    <Image xmlns="71af3243-3dd4-4a8d-8c0d-dd76da1f02a5">
-      <Url xsi:nil="true"/>
-      <Description xsi:nil="true"/>
-    </Image>
-    <Status xmlns="71af3243-3dd4-4a8d-8c0d-dd76da1f02a5">Not started</Status>
-    <Background xmlns="71af3243-3dd4-4a8d-8c0d-dd76da1f02a5">false</Background>
-    <_ip_UnifiedCompliancePolicyProperties xmlns="http://schemas.microsoft.com/sharepoint/v3" xsi:nil="true"/>
-    <ImageTagsTaxHTField xmlns="71af3243-3dd4-4a8d-8c0d-dd76da1f02a5">
-      <Terms xmlns="http://schemas.microsoft.com/office/infopath/2007/PartnerControls"/>
-    </ImageTagsTaxHTField>
-    <TaxCatchAll xmlns="230e9df3-be65-4c73-a93b-d1236ebd677e" xsi:nil="true"/>
-    <MediaServiceKeyPoints xmlns="71af3243-3dd4-4a8d-8c0d-dd76da1f02a5" xsi:nil="true"/>
-  </documentManagement>
-</p:properties>
-</file>
-
-<file path=customXml/item2.xml><?xml version="1.0" encoding="utf-8"?>
 <ct:contentTypeSchema xmlns:ct="http://schemas.microsoft.com/office/2006/metadata/contentType" xmlns:ma="http://schemas.microsoft.com/office/2006/metadata/properties/metaAttributes" ct:_="" ma:_="" ma:contentTypeName="Document" ma:contentTypeID="0x01010079F111ED35F8CC479449609E8A0923A6" ma:contentTypeVersion="25" ma:contentTypeDescription="Create a new document." ma:contentTypeScope="" ma:versionID="e02306daf00165b375dc6a58966960be">
   <xsd:schema xmlns:xsd="http://www.w3.org/2001/XMLSchema" xmlns:xs="http://www.w3.org/2001/XMLSchema" xmlns:p="http://schemas.microsoft.com/office/2006/metadata/properties" xmlns:ns1="http://schemas.microsoft.com/sharepoint/v3" xmlns:ns2="71af3243-3dd4-4a8d-8c0d-dd76da1f02a5" xmlns:ns3="16c05727-aa75-4e4a-9b5f-8a80a1165891" xmlns:ns4="230e9df3-be65-4c73-a93b-d1236ebd677e" targetNamespace="http://schemas.microsoft.com/office/2006/metadata/properties" ma:root="true" ma:fieldsID="df88fb76bf5f555224557953949c1ec9" ns1:_="" ns2:_="" ns3:_="" ns4:_="">
     <xsd:import namespace="http://schemas.microsoft.com/sharepoint/v3"/>
@@ -20189,6 +20166,26 @@
 </ct:contentTypeSchema>
 </file>
 
+<file path=customXml/item2.xml><?xml version="1.0" encoding="utf-8"?>
+<p:properties xmlns:p="http://schemas.microsoft.com/office/2006/metadata/properties" xmlns:xsi="http://www.w3.org/2001/XMLSchema-instance" xmlns:pc="http://schemas.microsoft.com/office/infopath/2007/PartnerControls">
+  <documentManagement>
+    <_ip_UnifiedCompliancePolicyUIAction xmlns="http://schemas.microsoft.com/sharepoint/v3" xsi:nil="true"/>
+    <Image xmlns="71af3243-3dd4-4a8d-8c0d-dd76da1f02a5">
+      <Url xsi:nil="true"/>
+      <Description xsi:nil="true"/>
+    </Image>
+    <Status xmlns="71af3243-3dd4-4a8d-8c0d-dd76da1f02a5">Not started</Status>
+    <Background xmlns="71af3243-3dd4-4a8d-8c0d-dd76da1f02a5">false</Background>
+    <_ip_UnifiedCompliancePolicyProperties xmlns="http://schemas.microsoft.com/sharepoint/v3" xsi:nil="true"/>
+    <ImageTagsTaxHTField xmlns="71af3243-3dd4-4a8d-8c0d-dd76da1f02a5">
+      <Terms xmlns="http://schemas.microsoft.com/office/infopath/2007/PartnerControls"/>
+    </ImageTagsTaxHTField>
+    <TaxCatchAll xmlns="230e9df3-be65-4c73-a93b-d1236ebd677e" xsi:nil="true"/>
+    <MediaServiceKeyPoints xmlns="71af3243-3dd4-4a8d-8c0d-dd76da1f02a5" xsi:nil="true"/>
+  </documentManagement>
+</p:properties>
+</file>
+
 <file path=customXml/item3.xml><?xml version="1.0" encoding="utf-8"?>
 <?mso-contentType ?>
 <FormTemplates xmlns="http://schemas.microsoft.com/sharepoint/v3/contenttype/forms">
@@ -20199,18 +20196,6 @@
 </file>
 
 <file path=customXml/itemProps1.xml><?xml version="1.0" encoding="utf-8"?>
-<ds:datastoreItem xmlns:ds="http://schemas.openxmlformats.org/officeDocument/2006/customXml" ds:itemID="{F8B8ECF1-2A9D-464C-AFE8-2B3295D0BF97}">
-  <ds:schemaRefs>
-    <ds:schemaRef ds:uri="http://schemas.microsoft.com/office/2006/metadata/properties"/>
-    <ds:schemaRef ds:uri="http://schemas.microsoft.com/office/infopath/2007/PartnerControls"/>
-    <ds:schemaRef ds:uri="http://schemas.microsoft.com/sharepoint/v3"/>
-    <ds:schemaRef ds:uri="71af3243-3dd4-4a8d-8c0d-dd76da1f02a5"/>
-    <ds:schemaRef ds:uri="230e9df3-be65-4c73-a93b-d1236ebd677e"/>
-  </ds:schemaRefs>
-</ds:datastoreItem>
-</file>
-
-<file path=customXml/itemProps2.xml><?xml version="1.0" encoding="utf-8"?>
 <ds:datastoreItem xmlns:ds="http://schemas.openxmlformats.org/officeDocument/2006/customXml" ds:itemID="{176493A3-2B83-4E58-86AD-56A2F2A20F12}">
   <ds:schemaRefs>
     <ds:schemaRef ds:uri="http://schemas.microsoft.com/office/2006/metadata/contentType"/>
@@ -20231,6 +20216,18 @@
 </ds:datastoreItem>
 </file>
 
+<file path=customXml/itemProps2.xml><?xml version="1.0" encoding="utf-8"?>
+<ds:datastoreItem xmlns:ds="http://schemas.openxmlformats.org/officeDocument/2006/customXml" ds:itemID="{F8B8ECF1-2A9D-464C-AFE8-2B3295D0BF97}">
+  <ds:schemaRefs>
+    <ds:schemaRef ds:uri="http://schemas.microsoft.com/office/2006/metadata/properties"/>
+    <ds:schemaRef ds:uri="http://schemas.microsoft.com/office/infopath/2007/PartnerControls"/>
+    <ds:schemaRef ds:uri="http://schemas.microsoft.com/sharepoint/v3"/>
+    <ds:schemaRef ds:uri="71af3243-3dd4-4a8d-8c0d-dd76da1f02a5"/>
+    <ds:schemaRef ds:uri="230e9df3-be65-4c73-a93b-d1236ebd677e"/>
+  </ds:schemaRefs>
+</ds:datastoreItem>
+</file>
+
 <file path=customXml/itemProps3.xml><?xml version="1.0" encoding="utf-8"?>
 <ds:datastoreItem xmlns:ds="http://schemas.openxmlformats.org/officeDocument/2006/customXml" ds:itemID="{4F1F1912-3146-44AF-A389-9E8B77BB3688}">
   <ds:schemaRefs>
